--- a/Figures/tage.pptx
+++ b/Figures/tage.pptx
@@ -3043,8 +3043,8 @@
         </p:nvSpPr>
         <p:spPr>
           <a:xfrm>
-            <a:off x="1066800" y="1295400"/>
-            <a:ext cx="304800" cy="1752600"/>
+            <a:off x="876300" y="1295400"/>
+            <a:ext cx="304800" cy="1255931"/>
           </a:xfrm>
           <a:prstGeom prst="rect">
             <a:avLst/>
@@ -3065,11 +3065,15 @@
           </a:fontRef>
         </p:style>
         <p:txBody>
-          <a:bodyPr rtlCol="0" anchor="ctr"/>
+          <a:bodyPr vert="eaVert" rtlCol="0" anchor="ctr"/>
           <a:lstStyle/>
           <a:p>
             <a:pPr algn="ctr"/>
-            <a:endParaRPr lang="en-US"/>
+            <a:r>
+              <a:rPr lang="en-US" dirty="0" smtClean="0"/>
+              <a:t>base</a:t>
+            </a:r>
+            <a:endParaRPr lang="en-US" dirty="0"/>
           </a:p>
         </p:txBody>
       </p:sp>
@@ -3081,8 +3085,8 @@
         </p:nvSpPr>
         <p:spPr>
           <a:xfrm>
-            <a:off x="304800" y="1905000"/>
-            <a:ext cx="762000" cy="646331"/>
+            <a:off x="508000" y="926068"/>
+            <a:ext cx="495300" cy="369332"/>
           </a:xfrm>
           <a:prstGeom prst="rect">
             <a:avLst/>
@@ -3098,23 +3102,12 @@
             <a:pPr algn="ctr"/>
             <a:r>
               <a:rPr lang="en-US" dirty="0" smtClean="0"/>
-              <a:t>Base</a:t>
-            </a:r>
-          </a:p>
-          <a:p>
-            <a:pPr algn="ctr"/>
-            <a:r>
-              <a:rPr lang="en-US" dirty="0" smtClean="0"/>
-              <a:t>(T</a:t>
+              <a:t>T</a:t>
             </a:r>
             <a:r>
               <a:rPr lang="en-US" baseline="-25000" dirty="0" smtClean="0"/>
               <a:t>0</a:t>
             </a:r>
-            <a:r>
-              <a:rPr lang="en-US" dirty="0" smtClean="0"/>
-              <a:t>)</a:t>
-            </a:r>
             <a:endParaRPr lang="en-US" dirty="0"/>
           </a:p>
         </p:txBody>
@@ -3127,8 +3120,8 @@
         </p:nvSpPr>
         <p:spPr>
           <a:xfrm>
-            <a:off x="1752600" y="1295400"/>
-            <a:ext cx="1371600" cy="1752600"/>
+            <a:off x="1333500" y="1295400"/>
+            <a:ext cx="1181100" cy="1255931"/>
           </a:xfrm>
           <a:prstGeom prst="rect">
             <a:avLst/>
@@ -3165,8 +3158,8 @@
         </p:nvCxnSpPr>
         <p:spPr>
           <a:xfrm>
-            <a:off x="2083038" y="1295400"/>
-            <a:ext cx="0" cy="1752600"/>
+            <a:off x="1663938" y="1295400"/>
+            <a:ext cx="0" cy="1255931"/>
           </a:xfrm>
           <a:prstGeom prst="line">
             <a:avLst/>
@@ -3201,7 +3194,7 @@
         </p:nvSpPr>
         <p:spPr>
           <a:xfrm>
-            <a:off x="1752600" y="1905000"/>
+            <a:off x="1333500" y="1628001"/>
             <a:ext cx="304800" cy="369332"/>
           </a:xfrm>
           <a:prstGeom prst="rect">
@@ -3232,8 +3225,8 @@
         </p:nvCxnSpPr>
         <p:spPr>
           <a:xfrm>
-            <a:off x="2743200" y="1295400"/>
-            <a:ext cx="0" cy="1752600"/>
+            <a:off x="2171700" y="1304151"/>
+            <a:ext cx="0" cy="1255931"/>
           </a:xfrm>
           <a:prstGeom prst="line">
             <a:avLst/>
@@ -3268,7 +3261,7 @@
         </p:nvSpPr>
         <p:spPr>
           <a:xfrm>
-            <a:off x="2209800" y="1905000"/>
+            <a:off x="1714500" y="1628001"/>
             <a:ext cx="381000" cy="369332"/>
           </a:xfrm>
           <a:prstGeom prst="rect">
@@ -3299,8 +3292,8 @@
         </p:nvSpPr>
         <p:spPr>
           <a:xfrm>
-            <a:off x="2743200" y="1905000"/>
-            <a:ext cx="381000" cy="369332"/>
+            <a:off x="2171700" y="1628001"/>
+            <a:ext cx="298450" cy="369332"/>
           </a:xfrm>
           <a:prstGeom prst="rect">
             <a:avLst/>
@@ -3321,19 +3314,681 @@
           </a:p>
         </p:txBody>
       </p:sp>
-      <p:sp>
-        <p:nvSpPr>
-          <p:cNvPr id="13" name="Rectangle 12"/>
+      <p:cxnSp>
+        <p:nvCxnSpPr>
+          <p:cNvPr id="32" name="Straight Arrow Connector 31"/>
+          <p:cNvCxnSpPr>
+            <a:endCxn id="4" idx="0"/>
+          </p:cNvCxnSpPr>
+          <p:nvPr/>
+        </p:nvCxnSpPr>
+        <p:spPr>
+          <a:xfrm>
+            <a:off x="1028700" y="609600"/>
+            <a:ext cx="0" cy="685800"/>
+          </a:xfrm>
+          <a:prstGeom prst="straightConnector1">
+            <a:avLst/>
+          </a:prstGeom>
+          <a:ln w="25400" cmpd="sng">
+            <a:solidFill>
+              <a:schemeClr val="tx1"/>
+            </a:solidFill>
+            <a:tailEnd type="arrow"/>
+          </a:ln>
+        </p:spPr>
+        <p:style>
+          <a:lnRef idx="1">
+            <a:schemeClr val="accent1"/>
+          </a:lnRef>
+          <a:fillRef idx="0">
+            <a:schemeClr val="accent1"/>
+          </a:fillRef>
+          <a:effectRef idx="0">
+            <a:schemeClr val="accent1"/>
+          </a:effectRef>
+          <a:fontRef idx="minor">
+            <a:schemeClr val="tx1"/>
+          </a:fontRef>
+        </p:style>
+      </p:cxnSp>
+      <p:sp>
+        <p:nvSpPr>
+          <p:cNvPr id="34" name="Rounded Rectangle 33"/>
           <p:cNvSpPr/>
           <p:nvPr/>
         </p:nvSpPr>
         <p:spPr>
           <a:xfrm>
-            <a:off x="3505200" y="1295400"/>
-            <a:ext cx="1371600" cy="1752600"/>
+            <a:off x="1714500" y="762000"/>
+            <a:ext cx="533400" cy="228600"/>
+          </a:xfrm>
+          <a:prstGeom prst="roundRect">
+            <a:avLst/>
+          </a:prstGeom>
+        </p:spPr>
+        <p:style>
+          <a:lnRef idx="1">
+            <a:schemeClr val="accent1"/>
+          </a:lnRef>
+          <a:fillRef idx="2">
+            <a:schemeClr val="accent1"/>
+          </a:fillRef>
+          <a:effectRef idx="1">
+            <a:schemeClr val="accent1"/>
+          </a:effectRef>
+          <a:fontRef idx="minor">
+            <a:schemeClr val="dk1"/>
+          </a:fontRef>
+        </p:style>
+        <p:txBody>
+          <a:bodyPr rtlCol="0" anchor="ctr"/>
+          <a:lstStyle/>
+          <a:p>
+            <a:pPr algn="ctr"/>
+            <a:r>
+              <a:rPr lang="en-US" sz="1200" dirty="0" smtClean="0"/>
+              <a:t>hash</a:t>
+            </a:r>
+            <a:endParaRPr lang="en-US" sz="1200" dirty="0"/>
+          </a:p>
+        </p:txBody>
+      </p:sp>
+      <p:sp>
+        <p:nvSpPr>
+          <p:cNvPr id="36" name="TextBox 35"/>
+          <p:cNvSpPr txBox="1"/>
+          <p:nvPr/>
+        </p:nvSpPr>
+        <p:spPr>
+          <a:xfrm>
+            <a:off x="1333500" y="914400"/>
+            <a:ext cx="304800" cy="369332"/>
           </a:xfrm>
           <a:prstGeom prst="rect">
             <a:avLst/>
+          </a:prstGeom>
+          <a:noFill/>
+        </p:spPr>
+        <p:txBody>
+          <a:bodyPr wrap="square" lIns="45720" rIns="0" rtlCol="0">
+            <a:spAutoFit/>
+          </a:bodyPr>
+          <a:lstStyle/>
+          <a:p>
+            <a:pPr algn="ctr"/>
+            <a:r>
+              <a:rPr lang="en-US" dirty="0" smtClean="0"/>
+              <a:t>T</a:t>
+            </a:r>
+            <a:r>
+              <a:rPr lang="en-US" baseline="-25000" dirty="0"/>
+              <a:t>1</a:t>
+            </a:r>
+            <a:endParaRPr lang="en-US" dirty="0"/>
+          </a:p>
+        </p:txBody>
+      </p:sp>
+      <p:sp>
+        <p:nvSpPr>
+          <p:cNvPr id="58" name="Rounded Rectangle 57"/>
+          <p:cNvSpPr/>
+          <p:nvPr/>
+        </p:nvSpPr>
+        <p:spPr>
+          <a:xfrm>
+            <a:off x="2514600" y="762000"/>
+            <a:ext cx="533400" cy="228600"/>
+          </a:xfrm>
+          <a:prstGeom prst="roundRect">
+            <a:avLst/>
+          </a:prstGeom>
+        </p:spPr>
+        <p:style>
+          <a:lnRef idx="1">
+            <a:schemeClr val="accent1"/>
+          </a:lnRef>
+          <a:fillRef idx="2">
+            <a:schemeClr val="accent1"/>
+          </a:fillRef>
+          <a:effectRef idx="1">
+            <a:schemeClr val="accent1"/>
+          </a:effectRef>
+          <a:fontRef idx="minor">
+            <a:schemeClr val="dk1"/>
+          </a:fontRef>
+        </p:style>
+        <p:txBody>
+          <a:bodyPr rtlCol="0" anchor="ctr"/>
+          <a:lstStyle/>
+          <a:p>
+            <a:pPr algn="ctr"/>
+            <a:r>
+              <a:rPr lang="en-US" sz="1200" dirty="0" smtClean="0"/>
+              <a:t>hash</a:t>
+            </a:r>
+            <a:endParaRPr lang="en-US" sz="1200" dirty="0"/>
+          </a:p>
+        </p:txBody>
+      </p:sp>
+      <p:cxnSp>
+        <p:nvCxnSpPr>
+          <p:cNvPr id="59" name="Straight Arrow Connector 58"/>
+          <p:cNvCxnSpPr/>
+          <p:nvPr/>
+        </p:nvCxnSpPr>
+        <p:spPr>
+          <a:xfrm>
+            <a:off x="1866900" y="381000"/>
+            <a:ext cx="0" cy="381000"/>
+          </a:xfrm>
+          <a:prstGeom prst="straightConnector1">
+            <a:avLst/>
+          </a:prstGeom>
+          <a:ln w="25400" cmpd="sng">
+            <a:solidFill>
+              <a:schemeClr val="tx1"/>
+            </a:solidFill>
+            <a:tailEnd type="arrow"/>
+          </a:ln>
+        </p:spPr>
+        <p:style>
+          <a:lnRef idx="1">
+            <a:schemeClr val="accent1"/>
+          </a:lnRef>
+          <a:fillRef idx="0">
+            <a:schemeClr val="accent1"/>
+          </a:fillRef>
+          <a:effectRef idx="0">
+            <a:schemeClr val="accent1"/>
+          </a:effectRef>
+          <a:fontRef idx="minor">
+            <a:schemeClr val="tx1"/>
+          </a:fontRef>
+        </p:style>
+      </p:cxnSp>
+      <p:cxnSp>
+        <p:nvCxnSpPr>
+          <p:cNvPr id="60" name="Straight Arrow Connector 59"/>
+          <p:cNvCxnSpPr/>
+          <p:nvPr/>
+        </p:nvCxnSpPr>
+        <p:spPr>
+          <a:xfrm>
+            <a:off x="2095500" y="381000"/>
+            <a:ext cx="0" cy="381000"/>
+          </a:xfrm>
+          <a:prstGeom prst="straightConnector1">
+            <a:avLst/>
+          </a:prstGeom>
+          <a:ln w="25400" cmpd="sng">
+            <a:solidFill>
+              <a:schemeClr val="tx1"/>
+            </a:solidFill>
+            <a:tailEnd type="arrow"/>
+          </a:ln>
+        </p:spPr>
+        <p:style>
+          <a:lnRef idx="1">
+            <a:schemeClr val="accent1"/>
+          </a:lnRef>
+          <a:fillRef idx="0">
+            <a:schemeClr val="accent1"/>
+          </a:fillRef>
+          <a:effectRef idx="0">
+            <a:schemeClr val="accent1"/>
+          </a:effectRef>
+          <a:fontRef idx="minor">
+            <a:schemeClr val="tx1"/>
+          </a:fontRef>
+        </p:style>
+      </p:cxnSp>
+      <p:sp>
+        <p:nvSpPr>
+          <p:cNvPr id="61" name="TextBox 60"/>
+          <p:cNvSpPr txBox="1"/>
+          <p:nvPr/>
+        </p:nvSpPr>
+        <p:spPr>
+          <a:xfrm>
+            <a:off x="1422400" y="149423"/>
+            <a:ext cx="431800" cy="307777"/>
+          </a:xfrm>
+          <a:prstGeom prst="rect">
+            <a:avLst/>
+          </a:prstGeom>
+          <a:noFill/>
+        </p:spPr>
+        <p:txBody>
+          <a:bodyPr wrap="square" rtlCol="0">
+            <a:spAutoFit/>
+          </a:bodyPr>
+          <a:lstStyle/>
+          <a:p>
+            <a:pPr algn="ctr"/>
+            <a:r>
+              <a:rPr lang="en-US" sz="1400" dirty="0" smtClean="0"/>
+              <a:t>PC</a:t>
+            </a:r>
+            <a:endParaRPr lang="en-US" sz="1400" dirty="0"/>
+          </a:p>
+        </p:txBody>
+      </p:sp>
+      <p:cxnSp>
+        <p:nvCxnSpPr>
+          <p:cNvPr id="62" name="Straight Connector 61"/>
+          <p:cNvCxnSpPr/>
+          <p:nvPr/>
+        </p:nvCxnSpPr>
+        <p:spPr>
+          <a:xfrm>
+            <a:off x="1866900" y="571500"/>
+            <a:ext cx="844550" cy="0"/>
+          </a:xfrm>
+          <a:prstGeom prst="line">
+            <a:avLst/>
+          </a:prstGeom>
+          <a:ln w="25400">
+            <a:solidFill>
+              <a:schemeClr val="tx1"/>
+            </a:solidFill>
+          </a:ln>
+        </p:spPr>
+        <p:style>
+          <a:lnRef idx="1">
+            <a:schemeClr val="accent1"/>
+          </a:lnRef>
+          <a:fillRef idx="0">
+            <a:schemeClr val="accent1"/>
+          </a:fillRef>
+          <a:effectRef idx="0">
+            <a:schemeClr val="accent1"/>
+          </a:effectRef>
+          <a:fontRef idx="minor">
+            <a:schemeClr val="tx1"/>
+          </a:fontRef>
+        </p:style>
+      </p:cxnSp>
+      <p:cxnSp>
+        <p:nvCxnSpPr>
+          <p:cNvPr id="64" name="Straight Arrow Connector 63"/>
+          <p:cNvCxnSpPr/>
+          <p:nvPr/>
+        </p:nvCxnSpPr>
+        <p:spPr>
+          <a:xfrm>
+            <a:off x="2705100" y="559594"/>
+            <a:ext cx="0" cy="202406"/>
+          </a:xfrm>
+          <a:prstGeom prst="straightConnector1">
+            <a:avLst/>
+          </a:prstGeom>
+          <a:ln w="25400" cmpd="sng">
+            <a:solidFill>
+              <a:schemeClr val="tx1"/>
+            </a:solidFill>
+            <a:tailEnd type="arrow"/>
+          </a:ln>
+        </p:spPr>
+        <p:style>
+          <a:lnRef idx="1">
+            <a:schemeClr val="accent1"/>
+          </a:lnRef>
+          <a:fillRef idx="0">
+            <a:schemeClr val="accent1"/>
+          </a:fillRef>
+          <a:effectRef idx="0">
+            <a:schemeClr val="accent1"/>
+          </a:effectRef>
+          <a:fontRef idx="minor">
+            <a:schemeClr val="tx1"/>
+          </a:fontRef>
+        </p:style>
+      </p:cxnSp>
+      <p:cxnSp>
+        <p:nvCxnSpPr>
+          <p:cNvPr id="67" name="Straight Connector 66"/>
+          <p:cNvCxnSpPr/>
+          <p:nvPr/>
+        </p:nvCxnSpPr>
+        <p:spPr>
+          <a:xfrm>
+            <a:off x="2089150" y="457200"/>
+            <a:ext cx="844550" cy="0"/>
+          </a:xfrm>
+          <a:prstGeom prst="line">
+            <a:avLst/>
+          </a:prstGeom>
+          <a:ln w="25400">
+            <a:solidFill>
+              <a:schemeClr val="tx1"/>
+            </a:solidFill>
+          </a:ln>
+        </p:spPr>
+        <p:style>
+          <a:lnRef idx="1">
+            <a:schemeClr val="accent1"/>
+          </a:lnRef>
+          <a:fillRef idx="0">
+            <a:schemeClr val="accent1"/>
+          </a:fillRef>
+          <a:effectRef idx="0">
+            <a:schemeClr val="accent1"/>
+          </a:effectRef>
+          <a:fontRef idx="minor">
+            <a:schemeClr val="tx1"/>
+          </a:fontRef>
+        </p:style>
+      </p:cxnSp>
+      <p:cxnSp>
+        <p:nvCxnSpPr>
+          <p:cNvPr id="68" name="Straight Arrow Connector 67"/>
+          <p:cNvCxnSpPr/>
+          <p:nvPr/>
+        </p:nvCxnSpPr>
+        <p:spPr>
+          <a:xfrm>
+            <a:off x="2933700" y="445294"/>
+            <a:ext cx="0" cy="316706"/>
+          </a:xfrm>
+          <a:prstGeom prst="straightConnector1">
+            <a:avLst/>
+          </a:prstGeom>
+          <a:ln w="25400" cmpd="sng">
+            <a:solidFill>
+              <a:schemeClr val="tx1"/>
+            </a:solidFill>
+            <a:tailEnd type="arrow"/>
+          </a:ln>
+        </p:spPr>
+        <p:style>
+          <a:lnRef idx="1">
+            <a:schemeClr val="accent1"/>
+          </a:lnRef>
+          <a:fillRef idx="0">
+            <a:schemeClr val="accent1"/>
+          </a:fillRef>
+          <a:effectRef idx="0">
+            <a:schemeClr val="accent1"/>
+          </a:effectRef>
+          <a:fontRef idx="minor">
+            <a:schemeClr val="tx1"/>
+          </a:fontRef>
+        </p:style>
+      </p:cxnSp>
+      <p:cxnSp>
+        <p:nvCxnSpPr>
+          <p:cNvPr id="75" name="Straight Arrow Connector 74"/>
+          <p:cNvCxnSpPr>
+            <a:endCxn id="84" idx="3"/>
+          </p:cNvCxnSpPr>
+          <p:nvPr/>
+        </p:nvCxnSpPr>
+        <p:spPr>
+          <a:xfrm flipH="1">
+            <a:off x="2190750" y="2971800"/>
+            <a:ext cx="597694" cy="0"/>
+          </a:xfrm>
+          <a:prstGeom prst="straightConnector1">
+            <a:avLst/>
+          </a:prstGeom>
+          <a:ln w="25400" cmpd="sng">
+            <a:solidFill>
+              <a:schemeClr val="tx1"/>
+            </a:solidFill>
+            <a:tailEnd type="arrow"/>
+          </a:ln>
+        </p:spPr>
+        <p:style>
+          <a:lnRef idx="1">
+            <a:schemeClr val="accent1"/>
+          </a:lnRef>
+          <a:fillRef idx="0">
+            <a:schemeClr val="accent1"/>
+          </a:fillRef>
+          <a:effectRef idx="0">
+            <a:schemeClr val="accent1"/>
+          </a:effectRef>
+          <a:fontRef idx="minor">
+            <a:schemeClr val="tx1"/>
+          </a:fontRef>
+        </p:style>
+      </p:cxnSp>
+      <p:cxnSp>
+        <p:nvCxnSpPr>
+          <p:cNvPr id="76" name="Straight Arrow Connector 75"/>
+          <p:cNvCxnSpPr/>
+          <p:nvPr/>
+        </p:nvCxnSpPr>
+        <p:spPr>
+          <a:xfrm>
+            <a:off x="1981200" y="981849"/>
+            <a:ext cx="0" cy="313551"/>
+          </a:xfrm>
+          <a:prstGeom prst="straightConnector1">
+            <a:avLst/>
+          </a:prstGeom>
+          <a:ln w="25400" cmpd="sng">
+            <a:solidFill>
+              <a:schemeClr val="tx1"/>
+            </a:solidFill>
+            <a:tailEnd type="arrow"/>
+          </a:ln>
+        </p:spPr>
+        <p:style>
+          <a:lnRef idx="1">
+            <a:schemeClr val="accent1"/>
+          </a:lnRef>
+          <a:fillRef idx="0">
+            <a:schemeClr val="accent1"/>
+          </a:fillRef>
+          <a:effectRef idx="0">
+            <a:schemeClr val="accent1"/>
+          </a:effectRef>
+          <a:fontRef idx="minor">
+            <a:schemeClr val="tx1"/>
+          </a:fontRef>
+        </p:style>
+      </p:cxnSp>
+      <p:cxnSp>
+        <p:nvCxnSpPr>
+          <p:cNvPr id="79" name="Straight Connector 78"/>
+          <p:cNvCxnSpPr/>
+          <p:nvPr/>
+        </p:nvCxnSpPr>
+        <p:spPr>
+          <a:xfrm>
+            <a:off x="2781300" y="990600"/>
+            <a:ext cx="0" cy="1981200"/>
+          </a:xfrm>
+          <a:prstGeom prst="line">
+            <a:avLst/>
+          </a:prstGeom>
+          <a:ln w="25400">
+            <a:solidFill>
+              <a:schemeClr val="tx1"/>
+            </a:solidFill>
+          </a:ln>
+        </p:spPr>
+        <p:style>
+          <a:lnRef idx="1">
+            <a:schemeClr val="accent1"/>
+          </a:lnRef>
+          <a:fillRef idx="0">
+            <a:schemeClr val="accent1"/>
+          </a:fillRef>
+          <a:effectRef idx="0">
+            <a:schemeClr val="accent1"/>
+          </a:effectRef>
+          <a:fontRef idx="minor">
+            <a:schemeClr val="tx1"/>
+          </a:fontRef>
+        </p:style>
+      </p:cxnSp>
+      <p:sp>
+        <p:nvSpPr>
+          <p:cNvPr id="84" name="Rounded Rectangle 83"/>
+          <p:cNvSpPr/>
+          <p:nvPr/>
+        </p:nvSpPr>
+        <p:spPr>
+          <a:xfrm>
+            <a:off x="1657350" y="2857500"/>
+            <a:ext cx="533400" cy="228600"/>
+          </a:xfrm>
+          <a:prstGeom prst="roundRect">
+            <a:avLst/>
+          </a:prstGeom>
+        </p:spPr>
+        <p:style>
+          <a:lnRef idx="1">
+            <a:schemeClr val="accent1"/>
+          </a:lnRef>
+          <a:fillRef idx="2">
+            <a:schemeClr val="accent1"/>
+          </a:fillRef>
+          <a:effectRef idx="1">
+            <a:schemeClr val="accent1"/>
+          </a:effectRef>
+          <a:fontRef idx="minor">
+            <a:schemeClr val="dk1"/>
+          </a:fontRef>
+        </p:style>
+        <p:txBody>
+          <a:bodyPr rtlCol="0" anchor="ctr"/>
+          <a:lstStyle/>
+          <a:p>
+            <a:pPr algn="ctr"/>
+            <a:r>
+              <a:rPr lang="en-US" sz="1200" dirty="0" smtClean="0"/>
+              <a:t>=?</a:t>
+            </a:r>
+            <a:endParaRPr lang="en-US" sz="1200" dirty="0"/>
+          </a:p>
+        </p:txBody>
+      </p:sp>
+      <p:cxnSp>
+        <p:nvCxnSpPr>
+          <p:cNvPr id="86" name="Straight Arrow Connector 85"/>
+          <p:cNvCxnSpPr/>
+          <p:nvPr/>
+        </p:nvCxnSpPr>
+        <p:spPr>
+          <a:xfrm>
+            <a:off x="1943100" y="2543949"/>
+            <a:ext cx="0" cy="313551"/>
+          </a:xfrm>
+          <a:prstGeom prst="straightConnector1">
+            <a:avLst/>
+          </a:prstGeom>
+          <a:ln w="25400" cmpd="sng">
+            <a:solidFill>
+              <a:schemeClr val="tx1"/>
+            </a:solidFill>
+            <a:tailEnd type="arrow"/>
+          </a:ln>
+        </p:spPr>
+        <p:style>
+          <a:lnRef idx="1">
+            <a:schemeClr val="accent1"/>
+          </a:lnRef>
+          <a:fillRef idx="0">
+            <a:schemeClr val="accent1"/>
+          </a:fillRef>
+          <a:effectRef idx="0">
+            <a:schemeClr val="accent1"/>
+          </a:effectRef>
+          <a:fontRef idx="minor">
+            <a:schemeClr val="tx1"/>
+          </a:fontRef>
+        </p:style>
+      </p:cxnSp>
+      <p:cxnSp>
+        <p:nvCxnSpPr>
+          <p:cNvPr id="87" name="Straight Connector 86"/>
+          <p:cNvCxnSpPr/>
+          <p:nvPr/>
+        </p:nvCxnSpPr>
+        <p:spPr>
+          <a:xfrm>
+            <a:off x="1943100" y="3086100"/>
+            <a:ext cx="0" cy="342900"/>
+          </a:xfrm>
+          <a:prstGeom prst="line">
+            <a:avLst/>
+          </a:prstGeom>
+          <a:ln w="25400">
+            <a:solidFill>
+              <a:schemeClr val="tx1"/>
+            </a:solidFill>
+          </a:ln>
+        </p:spPr>
+        <p:style>
+          <a:lnRef idx="1">
+            <a:schemeClr val="accent1"/>
+          </a:lnRef>
+          <a:fillRef idx="0">
+            <a:schemeClr val="accent1"/>
+          </a:fillRef>
+          <a:effectRef idx="0">
+            <a:schemeClr val="accent1"/>
+          </a:effectRef>
+          <a:fontRef idx="minor">
+            <a:schemeClr val="tx1"/>
+          </a:fontRef>
+        </p:style>
+      </p:cxnSp>
+      <p:cxnSp>
+        <p:nvCxnSpPr>
+          <p:cNvPr id="89" name="Straight Arrow Connector 88"/>
+          <p:cNvCxnSpPr/>
+          <p:nvPr/>
+        </p:nvCxnSpPr>
+        <p:spPr>
+          <a:xfrm flipH="1">
+            <a:off x="1574006" y="3414711"/>
+            <a:ext cx="369094" cy="0"/>
+          </a:xfrm>
+          <a:prstGeom prst="straightConnector1">
+            <a:avLst/>
+          </a:prstGeom>
+          <a:ln w="25400" cmpd="sng">
+            <a:solidFill>
+              <a:schemeClr val="tx1"/>
+            </a:solidFill>
+            <a:tailEnd type="arrow"/>
+          </a:ln>
+        </p:spPr>
+        <p:style>
+          <a:lnRef idx="1">
+            <a:schemeClr val="accent1"/>
+          </a:lnRef>
+          <a:fillRef idx="0">
+            <a:schemeClr val="accent1"/>
+          </a:fillRef>
+          <a:effectRef idx="0">
+            <a:schemeClr val="accent1"/>
+          </a:effectRef>
+          <a:fontRef idx="minor">
+            <a:schemeClr val="tx1"/>
+          </a:fontRef>
+        </p:style>
+      </p:cxnSp>
+      <p:sp>
+        <p:nvSpPr>
+          <p:cNvPr id="90" name="Trapezoid 89"/>
+          <p:cNvSpPr/>
+          <p:nvPr/>
+        </p:nvSpPr>
+        <p:spPr>
+          <a:xfrm rot="10800000">
+            <a:off x="876300" y="3309937"/>
+            <a:ext cx="778113" cy="228600"/>
+          </a:xfrm>
+          <a:prstGeom prst="trapezoid">
+            <a:avLst>
+              <a:gd name="adj" fmla="val 66177"/>
+            </a:avLst>
           </a:prstGeom>
         </p:spPr>
         <p:style>
@@ -3361,14 +4016,186 @@
       </p:sp>
       <p:cxnSp>
         <p:nvCxnSpPr>
-          <p:cNvPr id="14" name="Straight Connector 13"/>
+          <p:cNvPr id="91" name="Straight Arrow Connector 90"/>
           <p:cNvCxnSpPr/>
           <p:nvPr/>
         </p:nvCxnSpPr>
         <p:spPr>
           <a:xfrm>
-            <a:off x="3835638" y="1295400"/>
-            <a:ext cx="0" cy="1752600"/>
+            <a:off x="1033462" y="2543949"/>
+            <a:ext cx="0" cy="765988"/>
+          </a:xfrm>
+          <a:prstGeom prst="straightConnector1">
+            <a:avLst/>
+          </a:prstGeom>
+          <a:ln w="25400" cmpd="sng">
+            <a:solidFill>
+              <a:schemeClr val="tx1"/>
+            </a:solidFill>
+            <a:tailEnd type="arrow"/>
+          </a:ln>
+        </p:spPr>
+        <p:style>
+          <a:lnRef idx="1">
+            <a:schemeClr val="accent1"/>
+          </a:lnRef>
+          <a:fillRef idx="0">
+            <a:schemeClr val="accent1"/>
+          </a:fillRef>
+          <a:effectRef idx="0">
+            <a:schemeClr val="accent1"/>
+          </a:effectRef>
+          <a:fontRef idx="minor">
+            <a:schemeClr val="tx1"/>
+          </a:fontRef>
+        </p:style>
+      </p:cxnSp>
+      <p:cxnSp>
+        <p:nvCxnSpPr>
+          <p:cNvPr id="93" name="Straight Arrow Connector 92"/>
+          <p:cNvCxnSpPr/>
+          <p:nvPr/>
+        </p:nvCxnSpPr>
+        <p:spPr>
+          <a:xfrm>
+            <a:off x="1485900" y="2543949"/>
+            <a:ext cx="0" cy="765988"/>
+          </a:xfrm>
+          <a:prstGeom prst="straightConnector1">
+            <a:avLst/>
+          </a:prstGeom>
+          <a:ln w="25400" cmpd="sng">
+            <a:solidFill>
+              <a:schemeClr val="tx1"/>
+            </a:solidFill>
+            <a:tailEnd type="arrow"/>
+          </a:ln>
+        </p:spPr>
+        <p:style>
+          <a:lnRef idx="1">
+            <a:schemeClr val="accent1"/>
+          </a:lnRef>
+          <a:fillRef idx="0">
+            <a:schemeClr val="accent1"/>
+          </a:fillRef>
+          <a:effectRef idx="0">
+            <a:schemeClr val="accent1"/>
+          </a:effectRef>
+          <a:fontRef idx="minor">
+            <a:schemeClr val="tx1"/>
+          </a:fontRef>
+        </p:style>
+      </p:cxnSp>
+      <p:sp>
+        <p:nvSpPr>
+          <p:cNvPr id="95" name="TextBox 94"/>
+          <p:cNvSpPr txBox="1"/>
+          <p:nvPr/>
+        </p:nvSpPr>
+        <p:spPr>
+          <a:xfrm>
+            <a:off x="768350" y="335137"/>
+            <a:ext cx="431800" cy="307777"/>
+          </a:xfrm>
+          <a:prstGeom prst="rect">
+            <a:avLst/>
+          </a:prstGeom>
+          <a:noFill/>
+        </p:spPr>
+        <p:txBody>
+          <a:bodyPr wrap="square" rtlCol="0">
+            <a:spAutoFit/>
+          </a:bodyPr>
+          <a:lstStyle/>
+          <a:p>
+            <a:pPr algn="ctr"/>
+            <a:r>
+              <a:rPr lang="en-US" sz="1400" dirty="0" smtClean="0"/>
+              <a:t>PC</a:t>
+            </a:r>
+            <a:endParaRPr lang="en-US" sz="1400" dirty="0"/>
+          </a:p>
+        </p:txBody>
+      </p:sp>
+      <p:sp>
+        <p:nvSpPr>
+          <p:cNvPr id="96" name="TextBox 95"/>
+          <p:cNvSpPr txBox="1"/>
+          <p:nvPr/>
+        </p:nvSpPr>
+        <p:spPr>
+          <a:xfrm>
+            <a:off x="2120900" y="149423"/>
+            <a:ext cx="876300" cy="307777"/>
+          </a:xfrm>
+          <a:prstGeom prst="rect">
+            <a:avLst/>
+          </a:prstGeom>
+          <a:noFill/>
+        </p:spPr>
+        <p:txBody>
+          <a:bodyPr wrap="square" rtlCol="0">
+            <a:spAutoFit/>
+          </a:bodyPr>
+          <a:lstStyle/>
+          <a:p>
+            <a:pPr algn="ctr"/>
+            <a:r>
+              <a:rPr lang="en-US" sz="1400" dirty="0" smtClean="0"/>
+              <a:t>h[0:L(1)]</a:t>
+            </a:r>
+            <a:endParaRPr lang="en-US" sz="1400" dirty="0"/>
+          </a:p>
+        </p:txBody>
+      </p:sp>
+      <p:sp>
+        <p:nvSpPr>
+          <p:cNvPr id="97" name="Rectangle 96"/>
+          <p:cNvSpPr/>
+          <p:nvPr/>
+        </p:nvSpPr>
+        <p:spPr>
+          <a:xfrm>
+            <a:off x="3238500" y="1295400"/>
+            <a:ext cx="1181100" cy="1255931"/>
+          </a:xfrm>
+          <a:prstGeom prst="rect">
+            <a:avLst/>
+          </a:prstGeom>
+        </p:spPr>
+        <p:style>
+          <a:lnRef idx="1">
+            <a:schemeClr val="accent1"/>
+          </a:lnRef>
+          <a:fillRef idx="2">
+            <a:schemeClr val="accent1"/>
+          </a:fillRef>
+          <a:effectRef idx="1">
+            <a:schemeClr val="accent1"/>
+          </a:effectRef>
+          <a:fontRef idx="minor">
+            <a:schemeClr val="dk1"/>
+          </a:fontRef>
+        </p:style>
+        <p:txBody>
+          <a:bodyPr rtlCol="0" anchor="ctr"/>
+          <a:lstStyle/>
+          <a:p>
+            <a:pPr algn="ctr"/>
+            <a:endParaRPr lang="en-US"/>
+          </a:p>
+        </p:txBody>
+      </p:sp>
+      <p:cxnSp>
+        <p:nvCxnSpPr>
+          <p:cNvPr id="98" name="Straight Connector 97"/>
+          <p:cNvCxnSpPr/>
+          <p:nvPr/>
+        </p:nvCxnSpPr>
+        <p:spPr>
+          <a:xfrm>
+            <a:off x="3568938" y="1295400"/>
+            <a:ext cx="0" cy="1255931"/>
           </a:xfrm>
           <a:prstGeom prst="line">
             <a:avLst/>
@@ -3397,13 +4224,13 @@
       </p:cxnSp>
       <p:sp>
         <p:nvSpPr>
-          <p:cNvPr id="15" name="TextBox 14"/>
+          <p:cNvPr id="99" name="TextBox 98"/>
           <p:cNvSpPr txBox="1"/>
           <p:nvPr/>
         </p:nvSpPr>
         <p:spPr>
           <a:xfrm>
-            <a:off x="3505200" y="1905000"/>
+            <a:off x="3238500" y="1628001"/>
             <a:ext cx="304800" cy="369332"/>
           </a:xfrm>
           <a:prstGeom prst="rect">
@@ -3428,14 +4255,14 @@
       </p:sp>
       <p:cxnSp>
         <p:nvCxnSpPr>
-          <p:cNvPr id="16" name="Straight Connector 15"/>
+          <p:cNvPr id="100" name="Straight Connector 99"/>
           <p:cNvCxnSpPr/>
           <p:nvPr/>
         </p:nvCxnSpPr>
         <p:spPr>
           <a:xfrm>
-            <a:off x="4495800" y="1295400"/>
-            <a:ext cx="0" cy="1752600"/>
+            <a:off x="4076700" y="1304151"/>
+            <a:ext cx="0" cy="1255931"/>
           </a:xfrm>
           <a:prstGeom prst="line">
             <a:avLst/>
@@ -3464,13 +4291,13 @@
       </p:cxnSp>
       <p:sp>
         <p:nvSpPr>
-          <p:cNvPr id="17" name="TextBox 16"/>
+          <p:cNvPr id="101" name="TextBox 100"/>
           <p:cNvSpPr txBox="1"/>
           <p:nvPr/>
         </p:nvSpPr>
         <p:spPr>
           <a:xfrm>
-            <a:off x="3962400" y="1905000"/>
+            <a:off x="3619500" y="1628001"/>
             <a:ext cx="381000" cy="369332"/>
           </a:xfrm>
           <a:prstGeom prst="rect">
@@ -3495,14 +4322,14 @@
       </p:sp>
       <p:sp>
         <p:nvSpPr>
-          <p:cNvPr id="18" name="TextBox 17"/>
+          <p:cNvPr id="102" name="TextBox 101"/>
           <p:cNvSpPr txBox="1"/>
           <p:nvPr/>
         </p:nvSpPr>
         <p:spPr>
           <a:xfrm>
-            <a:off x="4495800" y="1905000"/>
-            <a:ext cx="381000" cy="369332"/>
+            <a:off x="4076700" y="1628001"/>
+            <a:ext cx="298450" cy="369332"/>
           </a:xfrm>
           <a:prstGeom prst="rect">
             <a:avLst/>
@@ -3525,14 +4352,703 @@
       </p:sp>
       <p:sp>
         <p:nvSpPr>
-          <p:cNvPr id="19" name="Rectangle 18"/>
+          <p:cNvPr id="103" name="Rounded Rectangle 102"/>
           <p:cNvSpPr/>
           <p:nvPr/>
         </p:nvSpPr>
         <p:spPr>
           <a:xfrm>
-            <a:off x="5334000" y="1295400"/>
-            <a:ext cx="1371600" cy="1752600"/>
+            <a:off x="3619500" y="762000"/>
+            <a:ext cx="533400" cy="228600"/>
+          </a:xfrm>
+          <a:prstGeom prst="roundRect">
+            <a:avLst/>
+          </a:prstGeom>
+        </p:spPr>
+        <p:style>
+          <a:lnRef idx="1">
+            <a:schemeClr val="accent1"/>
+          </a:lnRef>
+          <a:fillRef idx="2">
+            <a:schemeClr val="accent1"/>
+          </a:fillRef>
+          <a:effectRef idx="1">
+            <a:schemeClr val="accent1"/>
+          </a:effectRef>
+          <a:fontRef idx="minor">
+            <a:schemeClr val="dk1"/>
+          </a:fontRef>
+        </p:style>
+        <p:txBody>
+          <a:bodyPr rtlCol="0" anchor="ctr"/>
+          <a:lstStyle/>
+          <a:p>
+            <a:pPr algn="ctr"/>
+            <a:r>
+              <a:rPr lang="en-US" sz="1200" dirty="0" smtClean="0"/>
+              <a:t>hash</a:t>
+            </a:r>
+            <a:endParaRPr lang="en-US" sz="1200" dirty="0"/>
+          </a:p>
+        </p:txBody>
+      </p:sp>
+      <p:sp>
+        <p:nvSpPr>
+          <p:cNvPr id="104" name="TextBox 103"/>
+          <p:cNvSpPr txBox="1"/>
+          <p:nvPr/>
+        </p:nvSpPr>
+        <p:spPr>
+          <a:xfrm>
+            <a:off x="3238500" y="914400"/>
+            <a:ext cx="304800" cy="369332"/>
+          </a:xfrm>
+          <a:prstGeom prst="rect">
+            <a:avLst/>
+          </a:prstGeom>
+          <a:noFill/>
+        </p:spPr>
+        <p:txBody>
+          <a:bodyPr wrap="square" lIns="45720" rIns="0" rtlCol="0">
+            <a:spAutoFit/>
+          </a:bodyPr>
+          <a:lstStyle/>
+          <a:p>
+            <a:pPr algn="ctr"/>
+            <a:r>
+              <a:rPr lang="en-US" dirty="0" smtClean="0"/>
+              <a:t>T</a:t>
+            </a:r>
+            <a:r>
+              <a:rPr lang="en-US" baseline="-25000" dirty="0"/>
+              <a:t>2</a:t>
+            </a:r>
+            <a:endParaRPr lang="en-US" dirty="0"/>
+          </a:p>
+        </p:txBody>
+      </p:sp>
+      <p:sp>
+        <p:nvSpPr>
+          <p:cNvPr id="105" name="Rounded Rectangle 104"/>
+          <p:cNvSpPr/>
+          <p:nvPr/>
+        </p:nvSpPr>
+        <p:spPr>
+          <a:xfrm>
+            <a:off x="4419600" y="762000"/>
+            <a:ext cx="533400" cy="228600"/>
+          </a:xfrm>
+          <a:prstGeom prst="roundRect">
+            <a:avLst/>
+          </a:prstGeom>
+        </p:spPr>
+        <p:style>
+          <a:lnRef idx="1">
+            <a:schemeClr val="accent1"/>
+          </a:lnRef>
+          <a:fillRef idx="2">
+            <a:schemeClr val="accent1"/>
+          </a:fillRef>
+          <a:effectRef idx="1">
+            <a:schemeClr val="accent1"/>
+          </a:effectRef>
+          <a:fontRef idx="minor">
+            <a:schemeClr val="dk1"/>
+          </a:fontRef>
+        </p:style>
+        <p:txBody>
+          <a:bodyPr rtlCol="0" anchor="ctr"/>
+          <a:lstStyle/>
+          <a:p>
+            <a:pPr algn="ctr"/>
+            <a:r>
+              <a:rPr lang="en-US" sz="1200" dirty="0" smtClean="0"/>
+              <a:t>hash</a:t>
+            </a:r>
+            <a:endParaRPr lang="en-US" sz="1200" dirty="0"/>
+          </a:p>
+        </p:txBody>
+      </p:sp>
+      <p:cxnSp>
+        <p:nvCxnSpPr>
+          <p:cNvPr id="106" name="Straight Arrow Connector 105"/>
+          <p:cNvCxnSpPr/>
+          <p:nvPr/>
+        </p:nvCxnSpPr>
+        <p:spPr>
+          <a:xfrm>
+            <a:off x="3771900" y="381000"/>
+            <a:ext cx="0" cy="381000"/>
+          </a:xfrm>
+          <a:prstGeom prst="straightConnector1">
+            <a:avLst/>
+          </a:prstGeom>
+          <a:ln w="25400" cmpd="sng">
+            <a:solidFill>
+              <a:schemeClr val="tx1"/>
+            </a:solidFill>
+            <a:tailEnd type="arrow"/>
+          </a:ln>
+        </p:spPr>
+        <p:style>
+          <a:lnRef idx="1">
+            <a:schemeClr val="accent1"/>
+          </a:lnRef>
+          <a:fillRef idx="0">
+            <a:schemeClr val="accent1"/>
+          </a:fillRef>
+          <a:effectRef idx="0">
+            <a:schemeClr val="accent1"/>
+          </a:effectRef>
+          <a:fontRef idx="minor">
+            <a:schemeClr val="tx1"/>
+          </a:fontRef>
+        </p:style>
+      </p:cxnSp>
+      <p:cxnSp>
+        <p:nvCxnSpPr>
+          <p:cNvPr id="107" name="Straight Arrow Connector 106"/>
+          <p:cNvCxnSpPr/>
+          <p:nvPr/>
+        </p:nvCxnSpPr>
+        <p:spPr>
+          <a:xfrm>
+            <a:off x="4000500" y="381000"/>
+            <a:ext cx="0" cy="381000"/>
+          </a:xfrm>
+          <a:prstGeom prst="straightConnector1">
+            <a:avLst/>
+          </a:prstGeom>
+          <a:ln w="25400" cmpd="sng">
+            <a:solidFill>
+              <a:schemeClr val="tx1"/>
+            </a:solidFill>
+            <a:tailEnd type="arrow"/>
+          </a:ln>
+        </p:spPr>
+        <p:style>
+          <a:lnRef idx="1">
+            <a:schemeClr val="accent1"/>
+          </a:lnRef>
+          <a:fillRef idx="0">
+            <a:schemeClr val="accent1"/>
+          </a:fillRef>
+          <a:effectRef idx="0">
+            <a:schemeClr val="accent1"/>
+          </a:effectRef>
+          <a:fontRef idx="minor">
+            <a:schemeClr val="tx1"/>
+          </a:fontRef>
+        </p:style>
+      </p:cxnSp>
+      <p:sp>
+        <p:nvSpPr>
+          <p:cNvPr id="108" name="TextBox 107"/>
+          <p:cNvSpPr txBox="1"/>
+          <p:nvPr/>
+        </p:nvSpPr>
+        <p:spPr>
+          <a:xfrm>
+            <a:off x="3327400" y="149423"/>
+            <a:ext cx="431800" cy="307777"/>
+          </a:xfrm>
+          <a:prstGeom prst="rect">
+            <a:avLst/>
+          </a:prstGeom>
+          <a:noFill/>
+        </p:spPr>
+        <p:txBody>
+          <a:bodyPr wrap="square" rtlCol="0">
+            <a:spAutoFit/>
+          </a:bodyPr>
+          <a:lstStyle/>
+          <a:p>
+            <a:pPr algn="ctr"/>
+            <a:r>
+              <a:rPr lang="en-US" sz="1400" dirty="0" smtClean="0"/>
+              <a:t>PC</a:t>
+            </a:r>
+            <a:endParaRPr lang="en-US" sz="1400" dirty="0"/>
+          </a:p>
+        </p:txBody>
+      </p:sp>
+      <p:cxnSp>
+        <p:nvCxnSpPr>
+          <p:cNvPr id="109" name="Straight Connector 108"/>
+          <p:cNvCxnSpPr/>
+          <p:nvPr/>
+        </p:nvCxnSpPr>
+        <p:spPr>
+          <a:xfrm>
+            <a:off x="3771900" y="571500"/>
+            <a:ext cx="844550" cy="0"/>
+          </a:xfrm>
+          <a:prstGeom prst="line">
+            <a:avLst/>
+          </a:prstGeom>
+          <a:ln w="25400">
+            <a:solidFill>
+              <a:schemeClr val="tx1"/>
+            </a:solidFill>
+          </a:ln>
+        </p:spPr>
+        <p:style>
+          <a:lnRef idx="1">
+            <a:schemeClr val="accent1"/>
+          </a:lnRef>
+          <a:fillRef idx="0">
+            <a:schemeClr val="accent1"/>
+          </a:fillRef>
+          <a:effectRef idx="0">
+            <a:schemeClr val="accent1"/>
+          </a:effectRef>
+          <a:fontRef idx="minor">
+            <a:schemeClr val="tx1"/>
+          </a:fontRef>
+        </p:style>
+      </p:cxnSp>
+      <p:cxnSp>
+        <p:nvCxnSpPr>
+          <p:cNvPr id="110" name="Straight Arrow Connector 109"/>
+          <p:cNvCxnSpPr/>
+          <p:nvPr/>
+        </p:nvCxnSpPr>
+        <p:spPr>
+          <a:xfrm>
+            <a:off x="4610100" y="559594"/>
+            <a:ext cx="0" cy="202406"/>
+          </a:xfrm>
+          <a:prstGeom prst="straightConnector1">
+            <a:avLst/>
+          </a:prstGeom>
+          <a:ln w="25400" cmpd="sng">
+            <a:solidFill>
+              <a:schemeClr val="tx1"/>
+            </a:solidFill>
+            <a:tailEnd type="arrow"/>
+          </a:ln>
+        </p:spPr>
+        <p:style>
+          <a:lnRef idx="1">
+            <a:schemeClr val="accent1"/>
+          </a:lnRef>
+          <a:fillRef idx="0">
+            <a:schemeClr val="accent1"/>
+          </a:fillRef>
+          <a:effectRef idx="0">
+            <a:schemeClr val="accent1"/>
+          </a:effectRef>
+          <a:fontRef idx="minor">
+            <a:schemeClr val="tx1"/>
+          </a:fontRef>
+        </p:style>
+      </p:cxnSp>
+      <p:cxnSp>
+        <p:nvCxnSpPr>
+          <p:cNvPr id="111" name="Straight Connector 110"/>
+          <p:cNvCxnSpPr/>
+          <p:nvPr/>
+        </p:nvCxnSpPr>
+        <p:spPr>
+          <a:xfrm>
+            <a:off x="3994150" y="457200"/>
+            <a:ext cx="844550" cy="0"/>
+          </a:xfrm>
+          <a:prstGeom prst="line">
+            <a:avLst/>
+          </a:prstGeom>
+          <a:ln w="25400">
+            <a:solidFill>
+              <a:schemeClr val="tx1"/>
+            </a:solidFill>
+          </a:ln>
+        </p:spPr>
+        <p:style>
+          <a:lnRef idx="1">
+            <a:schemeClr val="accent1"/>
+          </a:lnRef>
+          <a:fillRef idx="0">
+            <a:schemeClr val="accent1"/>
+          </a:fillRef>
+          <a:effectRef idx="0">
+            <a:schemeClr val="accent1"/>
+          </a:effectRef>
+          <a:fontRef idx="minor">
+            <a:schemeClr val="tx1"/>
+          </a:fontRef>
+        </p:style>
+      </p:cxnSp>
+      <p:cxnSp>
+        <p:nvCxnSpPr>
+          <p:cNvPr id="112" name="Straight Arrow Connector 111"/>
+          <p:cNvCxnSpPr/>
+          <p:nvPr/>
+        </p:nvCxnSpPr>
+        <p:spPr>
+          <a:xfrm>
+            <a:off x="4838700" y="445294"/>
+            <a:ext cx="0" cy="316706"/>
+          </a:xfrm>
+          <a:prstGeom prst="straightConnector1">
+            <a:avLst/>
+          </a:prstGeom>
+          <a:ln w="25400" cmpd="sng">
+            <a:solidFill>
+              <a:schemeClr val="tx1"/>
+            </a:solidFill>
+            <a:tailEnd type="arrow"/>
+          </a:ln>
+        </p:spPr>
+        <p:style>
+          <a:lnRef idx="1">
+            <a:schemeClr val="accent1"/>
+          </a:lnRef>
+          <a:fillRef idx="0">
+            <a:schemeClr val="accent1"/>
+          </a:fillRef>
+          <a:effectRef idx="0">
+            <a:schemeClr val="accent1"/>
+          </a:effectRef>
+          <a:fontRef idx="minor">
+            <a:schemeClr val="tx1"/>
+          </a:fontRef>
+        </p:style>
+      </p:cxnSp>
+      <p:cxnSp>
+        <p:nvCxnSpPr>
+          <p:cNvPr id="113" name="Straight Arrow Connector 112"/>
+          <p:cNvCxnSpPr>
+            <a:endCxn id="116" idx="3"/>
+          </p:cNvCxnSpPr>
+          <p:nvPr/>
+        </p:nvCxnSpPr>
+        <p:spPr>
+          <a:xfrm flipH="1">
+            <a:off x="4095750" y="2971800"/>
+            <a:ext cx="597694" cy="0"/>
+          </a:xfrm>
+          <a:prstGeom prst="straightConnector1">
+            <a:avLst/>
+          </a:prstGeom>
+          <a:ln w="25400" cmpd="sng">
+            <a:solidFill>
+              <a:schemeClr val="tx1"/>
+            </a:solidFill>
+            <a:tailEnd type="arrow"/>
+          </a:ln>
+        </p:spPr>
+        <p:style>
+          <a:lnRef idx="1">
+            <a:schemeClr val="accent1"/>
+          </a:lnRef>
+          <a:fillRef idx="0">
+            <a:schemeClr val="accent1"/>
+          </a:fillRef>
+          <a:effectRef idx="0">
+            <a:schemeClr val="accent1"/>
+          </a:effectRef>
+          <a:fontRef idx="minor">
+            <a:schemeClr val="tx1"/>
+          </a:fontRef>
+        </p:style>
+      </p:cxnSp>
+      <p:cxnSp>
+        <p:nvCxnSpPr>
+          <p:cNvPr id="114" name="Straight Arrow Connector 113"/>
+          <p:cNvCxnSpPr/>
+          <p:nvPr/>
+        </p:nvCxnSpPr>
+        <p:spPr>
+          <a:xfrm>
+            <a:off x="3886200" y="981849"/>
+            <a:ext cx="0" cy="313551"/>
+          </a:xfrm>
+          <a:prstGeom prst="straightConnector1">
+            <a:avLst/>
+          </a:prstGeom>
+          <a:ln w="25400" cmpd="sng">
+            <a:solidFill>
+              <a:schemeClr val="tx1"/>
+            </a:solidFill>
+            <a:tailEnd type="arrow"/>
+          </a:ln>
+        </p:spPr>
+        <p:style>
+          <a:lnRef idx="1">
+            <a:schemeClr val="accent1"/>
+          </a:lnRef>
+          <a:fillRef idx="0">
+            <a:schemeClr val="accent1"/>
+          </a:fillRef>
+          <a:effectRef idx="0">
+            <a:schemeClr val="accent1"/>
+          </a:effectRef>
+          <a:fontRef idx="minor">
+            <a:schemeClr val="tx1"/>
+          </a:fontRef>
+        </p:style>
+      </p:cxnSp>
+      <p:cxnSp>
+        <p:nvCxnSpPr>
+          <p:cNvPr id="115" name="Straight Connector 114"/>
+          <p:cNvCxnSpPr/>
+          <p:nvPr/>
+        </p:nvCxnSpPr>
+        <p:spPr>
+          <a:xfrm>
+            <a:off x="4686300" y="990600"/>
+            <a:ext cx="0" cy="1981200"/>
+          </a:xfrm>
+          <a:prstGeom prst="line">
+            <a:avLst/>
+          </a:prstGeom>
+          <a:ln w="25400">
+            <a:solidFill>
+              <a:schemeClr val="tx1"/>
+            </a:solidFill>
+          </a:ln>
+        </p:spPr>
+        <p:style>
+          <a:lnRef idx="1">
+            <a:schemeClr val="accent1"/>
+          </a:lnRef>
+          <a:fillRef idx="0">
+            <a:schemeClr val="accent1"/>
+          </a:fillRef>
+          <a:effectRef idx="0">
+            <a:schemeClr val="accent1"/>
+          </a:effectRef>
+          <a:fontRef idx="minor">
+            <a:schemeClr val="tx1"/>
+          </a:fontRef>
+        </p:style>
+      </p:cxnSp>
+      <p:sp>
+        <p:nvSpPr>
+          <p:cNvPr id="116" name="Rounded Rectangle 115"/>
+          <p:cNvSpPr/>
+          <p:nvPr/>
+        </p:nvSpPr>
+        <p:spPr>
+          <a:xfrm>
+            <a:off x="3562350" y="2857500"/>
+            <a:ext cx="533400" cy="228600"/>
+          </a:xfrm>
+          <a:prstGeom prst="roundRect">
+            <a:avLst/>
+          </a:prstGeom>
+        </p:spPr>
+        <p:style>
+          <a:lnRef idx="1">
+            <a:schemeClr val="accent1"/>
+          </a:lnRef>
+          <a:fillRef idx="2">
+            <a:schemeClr val="accent1"/>
+          </a:fillRef>
+          <a:effectRef idx="1">
+            <a:schemeClr val="accent1"/>
+          </a:effectRef>
+          <a:fontRef idx="minor">
+            <a:schemeClr val="dk1"/>
+          </a:fontRef>
+        </p:style>
+        <p:txBody>
+          <a:bodyPr rtlCol="0" anchor="ctr"/>
+          <a:lstStyle/>
+          <a:p>
+            <a:pPr algn="ctr"/>
+            <a:r>
+              <a:rPr lang="en-US" sz="1200" dirty="0" smtClean="0"/>
+              <a:t>=?</a:t>
+            </a:r>
+            <a:endParaRPr lang="en-US" sz="1200" dirty="0"/>
+          </a:p>
+        </p:txBody>
+      </p:sp>
+      <p:cxnSp>
+        <p:nvCxnSpPr>
+          <p:cNvPr id="117" name="Straight Arrow Connector 116"/>
+          <p:cNvCxnSpPr/>
+          <p:nvPr/>
+        </p:nvCxnSpPr>
+        <p:spPr>
+          <a:xfrm>
+            <a:off x="3848100" y="2543949"/>
+            <a:ext cx="0" cy="313551"/>
+          </a:xfrm>
+          <a:prstGeom prst="straightConnector1">
+            <a:avLst/>
+          </a:prstGeom>
+          <a:ln w="25400" cmpd="sng">
+            <a:solidFill>
+              <a:schemeClr val="tx1"/>
+            </a:solidFill>
+            <a:tailEnd type="arrow"/>
+          </a:ln>
+        </p:spPr>
+        <p:style>
+          <a:lnRef idx="1">
+            <a:schemeClr val="accent1"/>
+          </a:lnRef>
+          <a:fillRef idx="0">
+            <a:schemeClr val="accent1"/>
+          </a:fillRef>
+          <a:effectRef idx="0">
+            <a:schemeClr val="accent1"/>
+          </a:effectRef>
+          <a:fontRef idx="minor">
+            <a:schemeClr val="tx1"/>
+          </a:fontRef>
+        </p:style>
+      </p:cxnSp>
+      <p:cxnSp>
+        <p:nvCxnSpPr>
+          <p:cNvPr id="118" name="Straight Connector 117"/>
+          <p:cNvCxnSpPr/>
+          <p:nvPr/>
+        </p:nvCxnSpPr>
+        <p:spPr>
+          <a:xfrm>
+            <a:off x="3848100" y="3086100"/>
+            <a:ext cx="0" cy="1064419"/>
+          </a:xfrm>
+          <a:prstGeom prst="line">
+            <a:avLst/>
+          </a:prstGeom>
+          <a:ln w="25400">
+            <a:solidFill>
+              <a:schemeClr val="tx1"/>
+            </a:solidFill>
+          </a:ln>
+        </p:spPr>
+        <p:style>
+          <a:lnRef idx="1">
+            <a:schemeClr val="accent1"/>
+          </a:lnRef>
+          <a:fillRef idx="0">
+            <a:schemeClr val="accent1"/>
+          </a:fillRef>
+          <a:effectRef idx="0">
+            <a:schemeClr val="accent1"/>
+          </a:effectRef>
+          <a:fontRef idx="minor">
+            <a:schemeClr val="tx1"/>
+          </a:fontRef>
+        </p:style>
+      </p:cxnSp>
+      <p:cxnSp>
+        <p:nvCxnSpPr>
+          <p:cNvPr id="119" name="Straight Arrow Connector 118"/>
+          <p:cNvCxnSpPr/>
+          <p:nvPr/>
+        </p:nvCxnSpPr>
+        <p:spPr>
+          <a:xfrm flipH="1">
+            <a:off x="3507580" y="4150519"/>
+            <a:ext cx="350045" cy="0"/>
+          </a:xfrm>
+          <a:prstGeom prst="straightConnector1">
+            <a:avLst/>
+          </a:prstGeom>
+          <a:ln w="25400" cmpd="sng">
+            <a:solidFill>
+              <a:schemeClr val="tx1"/>
+            </a:solidFill>
+            <a:tailEnd type="arrow"/>
+          </a:ln>
+        </p:spPr>
+        <p:style>
+          <a:lnRef idx="1">
+            <a:schemeClr val="accent1"/>
+          </a:lnRef>
+          <a:fillRef idx="0">
+            <a:schemeClr val="accent1"/>
+          </a:fillRef>
+          <a:effectRef idx="0">
+            <a:schemeClr val="accent1"/>
+          </a:effectRef>
+          <a:fontRef idx="minor">
+            <a:schemeClr val="tx1"/>
+          </a:fontRef>
+        </p:style>
+      </p:cxnSp>
+      <p:cxnSp>
+        <p:nvCxnSpPr>
+          <p:cNvPr id="120" name="Straight Arrow Connector 119"/>
+          <p:cNvCxnSpPr/>
+          <p:nvPr/>
+        </p:nvCxnSpPr>
+        <p:spPr>
+          <a:xfrm>
+            <a:off x="3390900" y="2543949"/>
+            <a:ext cx="0" cy="1494651"/>
+          </a:xfrm>
+          <a:prstGeom prst="straightConnector1">
+            <a:avLst/>
+          </a:prstGeom>
+          <a:ln w="25400" cmpd="sng">
+            <a:solidFill>
+              <a:schemeClr val="tx1"/>
+            </a:solidFill>
+            <a:tailEnd type="arrow"/>
+          </a:ln>
+        </p:spPr>
+        <p:style>
+          <a:lnRef idx="1">
+            <a:schemeClr val="accent1"/>
+          </a:lnRef>
+          <a:fillRef idx="0">
+            <a:schemeClr val="accent1"/>
+          </a:fillRef>
+          <a:effectRef idx="0">
+            <a:schemeClr val="accent1"/>
+          </a:effectRef>
+          <a:fontRef idx="minor">
+            <a:schemeClr val="tx1"/>
+          </a:fontRef>
+        </p:style>
+      </p:cxnSp>
+      <p:sp>
+        <p:nvSpPr>
+          <p:cNvPr id="121" name="TextBox 120"/>
+          <p:cNvSpPr txBox="1"/>
+          <p:nvPr/>
+        </p:nvSpPr>
+        <p:spPr>
+          <a:xfrm>
+            <a:off x="3992562" y="137516"/>
+            <a:ext cx="846138" cy="307777"/>
+          </a:xfrm>
+          <a:prstGeom prst="rect">
+            <a:avLst/>
+          </a:prstGeom>
+          <a:noFill/>
+        </p:spPr>
+        <p:txBody>
+          <a:bodyPr wrap="square" rtlCol="0">
+            <a:spAutoFit/>
+          </a:bodyPr>
+          <a:lstStyle/>
+          <a:p>
+            <a:pPr algn="ctr"/>
+            <a:r>
+              <a:rPr lang="en-US" sz="1400" dirty="0" smtClean="0"/>
+              <a:t>h[0:L(2)]</a:t>
+            </a:r>
+            <a:endParaRPr lang="en-US" sz="1400" dirty="0"/>
+          </a:p>
+        </p:txBody>
+      </p:sp>
+      <p:sp>
+        <p:nvSpPr>
+          <p:cNvPr id="147" name="Rectangle 146"/>
+          <p:cNvSpPr/>
+          <p:nvPr/>
+        </p:nvSpPr>
+        <p:spPr>
+          <a:xfrm>
+            <a:off x="5143500" y="1295399"/>
+            <a:ext cx="1181100" cy="1255931"/>
           </a:xfrm>
           <a:prstGeom prst="rect">
             <a:avLst/>
@@ -3563,14 +5079,14 @@
       </p:sp>
       <p:cxnSp>
         <p:nvCxnSpPr>
-          <p:cNvPr id="20" name="Straight Connector 19"/>
+          <p:cNvPr id="148" name="Straight Connector 147"/>
           <p:cNvCxnSpPr/>
           <p:nvPr/>
         </p:nvCxnSpPr>
         <p:spPr>
           <a:xfrm>
-            <a:off x="5664438" y="1295400"/>
-            <a:ext cx="0" cy="1752600"/>
+            <a:off x="5473938" y="1295399"/>
+            <a:ext cx="0" cy="1255931"/>
           </a:xfrm>
           <a:prstGeom prst="line">
             <a:avLst/>
@@ -3599,13 +5115,13 @@
       </p:cxnSp>
       <p:sp>
         <p:nvSpPr>
-          <p:cNvPr id="21" name="TextBox 20"/>
+          <p:cNvPr id="149" name="TextBox 148"/>
           <p:cNvSpPr txBox="1"/>
           <p:nvPr/>
         </p:nvSpPr>
         <p:spPr>
           <a:xfrm>
-            <a:off x="5334000" y="1905000"/>
+            <a:off x="5143500" y="1628000"/>
             <a:ext cx="304800" cy="369332"/>
           </a:xfrm>
           <a:prstGeom prst="rect">
@@ -3630,14 +5146,14 @@
       </p:sp>
       <p:cxnSp>
         <p:nvCxnSpPr>
-          <p:cNvPr id="22" name="Straight Connector 21"/>
+          <p:cNvPr id="150" name="Straight Connector 149"/>
           <p:cNvCxnSpPr/>
           <p:nvPr/>
         </p:nvCxnSpPr>
         <p:spPr>
           <a:xfrm>
-            <a:off x="6324600" y="1295400"/>
-            <a:ext cx="0" cy="1752600"/>
+            <a:off x="5981700" y="1304150"/>
+            <a:ext cx="0" cy="1255931"/>
           </a:xfrm>
           <a:prstGeom prst="line">
             <a:avLst/>
@@ -3666,13 +5182,13 @@
       </p:cxnSp>
       <p:sp>
         <p:nvSpPr>
-          <p:cNvPr id="23" name="TextBox 22"/>
+          <p:cNvPr id="151" name="TextBox 150"/>
           <p:cNvSpPr txBox="1"/>
           <p:nvPr/>
         </p:nvSpPr>
         <p:spPr>
           <a:xfrm>
-            <a:off x="5791200" y="1905000"/>
+            <a:off x="5524500" y="1628000"/>
             <a:ext cx="381000" cy="369332"/>
           </a:xfrm>
           <a:prstGeom prst="rect">
@@ -3697,14 +5213,14 @@
       </p:sp>
       <p:sp>
         <p:nvSpPr>
-          <p:cNvPr id="24" name="TextBox 23"/>
+          <p:cNvPr id="152" name="TextBox 151"/>
           <p:cNvSpPr txBox="1"/>
           <p:nvPr/>
         </p:nvSpPr>
         <p:spPr>
           <a:xfrm>
-            <a:off x="6324600" y="1905000"/>
-            <a:ext cx="381000" cy="369332"/>
+            <a:off x="5981700" y="1628000"/>
+            <a:ext cx="298450" cy="369332"/>
           </a:xfrm>
           <a:prstGeom prst="rect">
             <a:avLst/>
@@ -3727,14 +5243,667 @@
       </p:sp>
       <p:sp>
         <p:nvSpPr>
-          <p:cNvPr id="25" name="Rectangle 24"/>
+          <p:cNvPr id="153" name="Rounded Rectangle 152"/>
           <p:cNvSpPr/>
           <p:nvPr/>
         </p:nvSpPr>
         <p:spPr>
           <a:xfrm>
-            <a:off x="7239000" y="1295400"/>
-            <a:ext cx="1371600" cy="1752600"/>
+            <a:off x="5524500" y="761999"/>
+            <a:ext cx="533400" cy="228600"/>
+          </a:xfrm>
+          <a:prstGeom prst="roundRect">
+            <a:avLst/>
+          </a:prstGeom>
+        </p:spPr>
+        <p:style>
+          <a:lnRef idx="1">
+            <a:schemeClr val="accent1"/>
+          </a:lnRef>
+          <a:fillRef idx="2">
+            <a:schemeClr val="accent1"/>
+          </a:fillRef>
+          <a:effectRef idx="1">
+            <a:schemeClr val="accent1"/>
+          </a:effectRef>
+          <a:fontRef idx="minor">
+            <a:schemeClr val="dk1"/>
+          </a:fontRef>
+        </p:style>
+        <p:txBody>
+          <a:bodyPr rtlCol="0" anchor="ctr"/>
+          <a:lstStyle/>
+          <a:p>
+            <a:pPr algn="ctr"/>
+            <a:r>
+              <a:rPr lang="en-US" sz="1200" dirty="0" smtClean="0"/>
+              <a:t>hash</a:t>
+            </a:r>
+            <a:endParaRPr lang="en-US" sz="1200" dirty="0"/>
+          </a:p>
+        </p:txBody>
+      </p:sp>
+      <p:sp>
+        <p:nvSpPr>
+          <p:cNvPr id="154" name="TextBox 153"/>
+          <p:cNvSpPr txBox="1"/>
+          <p:nvPr/>
+        </p:nvSpPr>
+        <p:spPr>
+          <a:xfrm>
+            <a:off x="5143500" y="914399"/>
+            <a:ext cx="304800" cy="369332"/>
+          </a:xfrm>
+          <a:prstGeom prst="rect">
+            <a:avLst/>
+          </a:prstGeom>
+          <a:noFill/>
+        </p:spPr>
+        <p:txBody>
+          <a:bodyPr wrap="square" lIns="45720" rIns="0" rtlCol="0">
+            <a:spAutoFit/>
+          </a:bodyPr>
+          <a:lstStyle/>
+          <a:p>
+            <a:pPr algn="ctr"/>
+            <a:r>
+              <a:rPr lang="en-US" dirty="0" smtClean="0"/>
+              <a:t>T</a:t>
+            </a:r>
+            <a:r>
+              <a:rPr lang="en-US" baseline="-25000" dirty="0"/>
+              <a:t>3</a:t>
+            </a:r>
+            <a:endParaRPr lang="en-US" dirty="0"/>
+          </a:p>
+        </p:txBody>
+      </p:sp>
+      <p:sp>
+        <p:nvSpPr>
+          <p:cNvPr id="155" name="Rounded Rectangle 154"/>
+          <p:cNvSpPr/>
+          <p:nvPr/>
+        </p:nvSpPr>
+        <p:spPr>
+          <a:xfrm>
+            <a:off x="6324600" y="761999"/>
+            <a:ext cx="533400" cy="228600"/>
+          </a:xfrm>
+          <a:prstGeom prst="roundRect">
+            <a:avLst/>
+          </a:prstGeom>
+        </p:spPr>
+        <p:style>
+          <a:lnRef idx="1">
+            <a:schemeClr val="accent1"/>
+          </a:lnRef>
+          <a:fillRef idx="2">
+            <a:schemeClr val="accent1"/>
+          </a:fillRef>
+          <a:effectRef idx="1">
+            <a:schemeClr val="accent1"/>
+          </a:effectRef>
+          <a:fontRef idx="minor">
+            <a:schemeClr val="dk1"/>
+          </a:fontRef>
+        </p:style>
+        <p:txBody>
+          <a:bodyPr rtlCol="0" anchor="ctr"/>
+          <a:lstStyle/>
+          <a:p>
+            <a:pPr algn="ctr"/>
+            <a:r>
+              <a:rPr lang="en-US" sz="1200" dirty="0" smtClean="0"/>
+              <a:t>hash</a:t>
+            </a:r>
+            <a:endParaRPr lang="en-US" sz="1200" dirty="0"/>
+          </a:p>
+        </p:txBody>
+      </p:sp>
+      <p:cxnSp>
+        <p:nvCxnSpPr>
+          <p:cNvPr id="156" name="Straight Arrow Connector 155"/>
+          <p:cNvCxnSpPr/>
+          <p:nvPr/>
+        </p:nvCxnSpPr>
+        <p:spPr>
+          <a:xfrm>
+            <a:off x="5676900" y="380999"/>
+            <a:ext cx="0" cy="381000"/>
+          </a:xfrm>
+          <a:prstGeom prst="straightConnector1">
+            <a:avLst/>
+          </a:prstGeom>
+          <a:ln w="25400" cmpd="sng">
+            <a:solidFill>
+              <a:schemeClr val="tx1"/>
+            </a:solidFill>
+            <a:tailEnd type="arrow"/>
+          </a:ln>
+        </p:spPr>
+        <p:style>
+          <a:lnRef idx="1">
+            <a:schemeClr val="accent1"/>
+          </a:lnRef>
+          <a:fillRef idx="0">
+            <a:schemeClr val="accent1"/>
+          </a:fillRef>
+          <a:effectRef idx="0">
+            <a:schemeClr val="accent1"/>
+          </a:effectRef>
+          <a:fontRef idx="minor">
+            <a:schemeClr val="tx1"/>
+          </a:fontRef>
+        </p:style>
+      </p:cxnSp>
+      <p:cxnSp>
+        <p:nvCxnSpPr>
+          <p:cNvPr id="157" name="Straight Arrow Connector 156"/>
+          <p:cNvCxnSpPr/>
+          <p:nvPr/>
+        </p:nvCxnSpPr>
+        <p:spPr>
+          <a:xfrm>
+            <a:off x="5905500" y="380999"/>
+            <a:ext cx="0" cy="381000"/>
+          </a:xfrm>
+          <a:prstGeom prst="straightConnector1">
+            <a:avLst/>
+          </a:prstGeom>
+          <a:ln w="25400" cmpd="sng">
+            <a:solidFill>
+              <a:schemeClr val="tx1"/>
+            </a:solidFill>
+            <a:tailEnd type="arrow"/>
+          </a:ln>
+        </p:spPr>
+        <p:style>
+          <a:lnRef idx="1">
+            <a:schemeClr val="accent1"/>
+          </a:lnRef>
+          <a:fillRef idx="0">
+            <a:schemeClr val="accent1"/>
+          </a:fillRef>
+          <a:effectRef idx="0">
+            <a:schemeClr val="accent1"/>
+          </a:effectRef>
+          <a:fontRef idx="minor">
+            <a:schemeClr val="tx1"/>
+          </a:fontRef>
+        </p:style>
+      </p:cxnSp>
+      <p:sp>
+        <p:nvSpPr>
+          <p:cNvPr id="158" name="TextBox 157"/>
+          <p:cNvSpPr txBox="1"/>
+          <p:nvPr/>
+        </p:nvSpPr>
+        <p:spPr>
+          <a:xfrm>
+            <a:off x="5232400" y="149422"/>
+            <a:ext cx="431800" cy="307777"/>
+          </a:xfrm>
+          <a:prstGeom prst="rect">
+            <a:avLst/>
+          </a:prstGeom>
+          <a:noFill/>
+        </p:spPr>
+        <p:txBody>
+          <a:bodyPr wrap="square" rtlCol="0">
+            <a:spAutoFit/>
+          </a:bodyPr>
+          <a:lstStyle/>
+          <a:p>
+            <a:pPr algn="ctr"/>
+            <a:r>
+              <a:rPr lang="en-US" sz="1400" dirty="0" smtClean="0"/>
+              <a:t>PC</a:t>
+            </a:r>
+            <a:endParaRPr lang="en-US" sz="1400" dirty="0"/>
+          </a:p>
+        </p:txBody>
+      </p:sp>
+      <p:cxnSp>
+        <p:nvCxnSpPr>
+          <p:cNvPr id="159" name="Straight Connector 158"/>
+          <p:cNvCxnSpPr/>
+          <p:nvPr/>
+        </p:nvCxnSpPr>
+        <p:spPr>
+          <a:xfrm>
+            <a:off x="5676900" y="571499"/>
+            <a:ext cx="844550" cy="0"/>
+          </a:xfrm>
+          <a:prstGeom prst="line">
+            <a:avLst/>
+          </a:prstGeom>
+          <a:ln w="25400">
+            <a:solidFill>
+              <a:schemeClr val="tx1"/>
+            </a:solidFill>
+          </a:ln>
+        </p:spPr>
+        <p:style>
+          <a:lnRef idx="1">
+            <a:schemeClr val="accent1"/>
+          </a:lnRef>
+          <a:fillRef idx="0">
+            <a:schemeClr val="accent1"/>
+          </a:fillRef>
+          <a:effectRef idx="0">
+            <a:schemeClr val="accent1"/>
+          </a:effectRef>
+          <a:fontRef idx="minor">
+            <a:schemeClr val="tx1"/>
+          </a:fontRef>
+        </p:style>
+      </p:cxnSp>
+      <p:cxnSp>
+        <p:nvCxnSpPr>
+          <p:cNvPr id="160" name="Straight Arrow Connector 159"/>
+          <p:cNvCxnSpPr/>
+          <p:nvPr/>
+        </p:nvCxnSpPr>
+        <p:spPr>
+          <a:xfrm>
+            <a:off x="6515100" y="559593"/>
+            <a:ext cx="0" cy="202406"/>
+          </a:xfrm>
+          <a:prstGeom prst="straightConnector1">
+            <a:avLst/>
+          </a:prstGeom>
+          <a:ln w="25400" cmpd="sng">
+            <a:solidFill>
+              <a:schemeClr val="tx1"/>
+            </a:solidFill>
+            <a:tailEnd type="arrow"/>
+          </a:ln>
+        </p:spPr>
+        <p:style>
+          <a:lnRef idx="1">
+            <a:schemeClr val="accent1"/>
+          </a:lnRef>
+          <a:fillRef idx="0">
+            <a:schemeClr val="accent1"/>
+          </a:fillRef>
+          <a:effectRef idx="0">
+            <a:schemeClr val="accent1"/>
+          </a:effectRef>
+          <a:fontRef idx="minor">
+            <a:schemeClr val="tx1"/>
+          </a:fontRef>
+        </p:style>
+      </p:cxnSp>
+      <p:cxnSp>
+        <p:nvCxnSpPr>
+          <p:cNvPr id="161" name="Straight Connector 160"/>
+          <p:cNvCxnSpPr/>
+          <p:nvPr/>
+        </p:nvCxnSpPr>
+        <p:spPr>
+          <a:xfrm>
+            <a:off x="5899150" y="457199"/>
+            <a:ext cx="844550" cy="0"/>
+          </a:xfrm>
+          <a:prstGeom prst="line">
+            <a:avLst/>
+          </a:prstGeom>
+          <a:ln w="25400">
+            <a:solidFill>
+              <a:schemeClr val="tx1"/>
+            </a:solidFill>
+          </a:ln>
+        </p:spPr>
+        <p:style>
+          <a:lnRef idx="1">
+            <a:schemeClr val="accent1"/>
+          </a:lnRef>
+          <a:fillRef idx="0">
+            <a:schemeClr val="accent1"/>
+          </a:fillRef>
+          <a:effectRef idx="0">
+            <a:schemeClr val="accent1"/>
+          </a:effectRef>
+          <a:fontRef idx="minor">
+            <a:schemeClr val="tx1"/>
+          </a:fontRef>
+        </p:style>
+      </p:cxnSp>
+      <p:cxnSp>
+        <p:nvCxnSpPr>
+          <p:cNvPr id="162" name="Straight Arrow Connector 161"/>
+          <p:cNvCxnSpPr/>
+          <p:nvPr/>
+        </p:nvCxnSpPr>
+        <p:spPr>
+          <a:xfrm>
+            <a:off x="6743700" y="445293"/>
+            <a:ext cx="0" cy="316706"/>
+          </a:xfrm>
+          <a:prstGeom prst="straightConnector1">
+            <a:avLst/>
+          </a:prstGeom>
+          <a:ln w="25400" cmpd="sng">
+            <a:solidFill>
+              <a:schemeClr val="tx1"/>
+            </a:solidFill>
+            <a:tailEnd type="arrow"/>
+          </a:ln>
+        </p:spPr>
+        <p:style>
+          <a:lnRef idx="1">
+            <a:schemeClr val="accent1"/>
+          </a:lnRef>
+          <a:fillRef idx="0">
+            <a:schemeClr val="accent1"/>
+          </a:fillRef>
+          <a:effectRef idx="0">
+            <a:schemeClr val="accent1"/>
+          </a:effectRef>
+          <a:fontRef idx="minor">
+            <a:schemeClr val="tx1"/>
+          </a:fontRef>
+        </p:style>
+      </p:cxnSp>
+      <p:cxnSp>
+        <p:nvCxnSpPr>
+          <p:cNvPr id="163" name="Straight Arrow Connector 162"/>
+          <p:cNvCxnSpPr>
+            <a:endCxn id="166" idx="3"/>
+          </p:cNvCxnSpPr>
+          <p:nvPr/>
+        </p:nvCxnSpPr>
+        <p:spPr>
+          <a:xfrm flipH="1">
+            <a:off x="6000750" y="2971799"/>
+            <a:ext cx="597694" cy="0"/>
+          </a:xfrm>
+          <a:prstGeom prst="straightConnector1">
+            <a:avLst/>
+          </a:prstGeom>
+          <a:ln w="25400" cmpd="sng">
+            <a:solidFill>
+              <a:schemeClr val="tx1"/>
+            </a:solidFill>
+            <a:tailEnd type="arrow"/>
+          </a:ln>
+        </p:spPr>
+        <p:style>
+          <a:lnRef idx="1">
+            <a:schemeClr val="accent1"/>
+          </a:lnRef>
+          <a:fillRef idx="0">
+            <a:schemeClr val="accent1"/>
+          </a:fillRef>
+          <a:effectRef idx="0">
+            <a:schemeClr val="accent1"/>
+          </a:effectRef>
+          <a:fontRef idx="minor">
+            <a:schemeClr val="tx1"/>
+          </a:fontRef>
+        </p:style>
+      </p:cxnSp>
+      <p:cxnSp>
+        <p:nvCxnSpPr>
+          <p:cNvPr id="164" name="Straight Arrow Connector 163"/>
+          <p:cNvCxnSpPr/>
+          <p:nvPr/>
+        </p:nvCxnSpPr>
+        <p:spPr>
+          <a:xfrm>
+            <a:off x="5791200" y="981848"/>
+            <a:ext cx="0" cy="313551"/>
+          </a:xfrm>
+          <a:prstGeom prst="straightConnector1">
+            <a:avLst/>
+          </a:prstGeom>
+          <a:ln w="25400" cmpd="sng">
+            <a:solidFill>
+              <a:schemeClr val="tx1"/>
+            </a:solidFill>
+            <a:tailEnd type="arrow"/>
+          </a:ln>
+        </p:spPr>
+        <p:style>
+          <a:lnRef idx="1">
+            <a:schemeClr val="accent1"/>
+          </a:lnRef>
+          <a:fillRef idx="0">
+            <a:schemeClr val="accent1"/>
+          </a:fillRef>
+          <a:effectRef idx="0">
+            <a:schemeClr val="accent1"/>
+          </a:effectRef>
+          <a:fontRef idx="minor">
+            <a:schemeClr val="tx1"/>
+          </a:fontRef>
+        </p:style>
+      </p:cxnSp>
+      <p:cxnSp>
+        <p:nvCxnSpPr>
+          <p:cNvPr id="165" name="Straight Connector 164"/>
+          <p:cNvCxnSpPr/>
+          <p:nvPr/>
+        </p:nvCxnSpPr>
+        <p:spPr>
+          <a:xfrm>
+            <a:off x="6591300" y="990599"/>
+            <a:ext cx="0" cy="1981200"/>
+          </a:xfrm>
+          <a:prstGeom prst="line">
+            <a:avLst/>
+          </a:prstGeom>
+          <a:ln w="25400">
+            <a:solidFill>
+              <a:schemeClr val="tx1"/>
+            </a:solidFill>
+          </a:ln>
+        </p:spPr>
+        <p:style>
+          <a:lnRef idx="1">
+            <a:schemeClr val="accent1"/>
+          </a:lnRef>
+          <a:fillRef idx="0">
+            <a:schemeClr val="accent1"/>
+          </a:fillRef>
+          <a:effectRef idx="0">
+            <a:schemeClr val="accent1"/>
+          </a:effectRef>
+          <a:fontRef idx="minor">
+            <a:schemeClr val="tx1"/>
+          </a:fontRef>
+        </p:style>
+      </p:cxnSp>
+      <p:sp>
+        <p:nvSpPr>
+          <p:cNvPr id="166" name="Rounded Rectangle 165"/>
+          <p:cNvSpPr/>
+          <p:nvPr/>
+        </p:nvSpPr>
+        <p:spPr>
+          <a:xfrm>
+            <a:off x="5467350" y="2857499"/>
+            <a:ext cx="533400" cy="228600"/>
+          </a:xfrm>
+          <a:prstGeom prst="roundRect">
+            <a:avLst/>
+          </a:prstGeom>
+        </p:spPr>
+        <p:style>
+          <a:lnRef idx="1">
+            <a:schemeClr val="accent1"/>
+          </a:lnRef>
+          <a:fillRef idx="2">
+            <a:schemeClr val="accent1"/>
+          </a:fillRef>
+          <a:effectRef idx="1">
+            <a:schemeClr val="accent1"/>
+          </a:effectRef>
+          <a:fontRef idx="minor">
+            <a:schemeClr val="dk1"/>
+          </a:fontRef>
+        </p:style>
+        <p:txBody>
+          <a:bodyPr rtlCol="0" anchor="ctr"/>
+          <a:lstStyle/>
+          <a:p>
+            <a:pPr algn="ctr"/>
+            <a:r>
+              <a:rPr lang="en-US" sz="1200" dirty="0" smtClean="0"/>
+              <a:t>=?</a:t>
+            </a:r>
+            <a:endParaRPr lang="en-US" sz="1200" dirty="0"/>
+          </a:p>
+        </p:txBody>
+      </p:sp>
+      <p:cxnSp>
+        <p:nvCxnSpPr>
+          <p:cNvPr id="167" name="Straight Arrow Connector 166"/>
+          <p:cNvCxnSpPr/>
+          <p:nvPr/>
+        </p:nvCxnSpPr>
+        <p:spPr>
+          <a:xfrm>
+            <a:off x="5753100" y="2543948"/>
+            <a:ext cx="0" cy="313551"/>
+          </a:xfrm>
+          <a:prstGeom prst="straightConnector1">
+            <a:avLst/>
+          </a:prstGeom>
+          <a:ln w="25400" cmpd="sng">
+            <a:solidFill>
+              <a:schemeClr val="tx1"/>
+            </a:solidFill>
+            <a:tailEnd type="arrow"/>
+          </a:ln>
+        </p:spPr>
+        <p:style>
+          <a:lnRef idx="1">
+            <a:schemeClr val="accent1"/>
+          </a:lnRef>
+          <a:fillRef idx="0">
+            <a:schemeClr val="accent1"/>
+          </a:fillRef>
+          <a:effectRef idx="0">
+            <a:schemeClr val="accent1"/>
+          </a:effectRef>
+          <a:fontRef idx="minor">
+            <a:schemeClr val="tx1"/>
+          </a:fontRef>
+        </p:style>
+      </p:cxnSp>
+      <p:cxnSp>
+        <p:nvCxnSpPr>
+          <p:cNvPr id="168" name="Straight Connector 167"/>
+          <p:cNvCxnSpPr/>
+          <p:nvPr/>
+        </p:nvCxnSpPr>
+        <p:spPr>
+          <a:xfrm>
+            <a:off x="5753100" y="3086099"/>
+            <a:ext cx="0" cy="1795464"/>
+          </a:xfrm>
+          <a:prstGeom prst="line">
+            <a:avLst/>
+          </a:prstGeom>
+          <a:ln w="25400">
+            <a:solidFill>
+              <a:schemeClr val="tx1"/>
+            </a:solidFill>
+          </a:ln>
+        </p:spPr>
+        <p:style>
+          <a:lnRef idx="1">
+            <a:schemeClr val="accent1"/>
+          </a:lnRef>
+          <a:fillRef idx="0">
+            <a:schemeClr val="accent1"/>
+          </a:fillRef>
+          <a:effectRef idx="0">
+            <a:schemeClr val="accent1"/>
+          </a:effectRef>
+          <a:fontRef idx="minor">
+            <a:schemeClr val="tx1"/>
+          </a:fontRef>
+        </p:style>
+      </p:cxnSp>
+      <p:cxnSp>
+        <p:nvCxnSpPr>
+          <p:cNvPr id="170" name="Straight Arrow Connector 169"/>
+          <p:cNvCxnSpPr/>
+          <p:nvPr/>
+        </p:nvCxnSpPr>
+        <p:spPr>
+          <a:xfrm>
+            <a:off x="5295900" y="2543948"/>
+            <a:ext cx="0" cy="2223315"/>
+          </a:xfrm>
+          <a:prstGeom prst="straightConnector1">
+            <a:avLst/>
+          </a:prstGeom>
+          <a:ln w="25400" cmpd="sng">
+            <a:solidFill>
+              <a:schemeClr val="tx1"/>
+            </a:solidFill>
+            <a:tailEnd type="arrow"/>
+          </a:ln>
+        </p:spPr>
+        <p:style>
+          <a:lnRef idx="1">
+            <a:schemeClr val="accent1"/>
+          </a:lnRef>
+          <a:fillRef idx="0">
+            <a:schemeClr val="accent1"/>
+          </a:fillRef>
+          <a:effectRef idx="0">
+            <a:schemeClr val="accent1"/>
+          </a:effectRef>
+          <a:fontRef idx="minor">
+            <a:schemeClr val="tx1"/>
+          </a:fontRef>
+        </p:style>
+      </p:cxnSp>
+      <p:sp>
+        <p:nvSpPr>
+          <p:cNvPr id="171" name="TextBox 170"/>
+          <p:cNvSpPr txBox="1"/>
+          <p:nvPr/>
+        </p:nvSpPr>
+        <p:spPr>
+          <a:xfrm>
+            <a:off x="5923546" y="149422"/>
+            <a:ext cx="934453" cy="307777"/>
+          </a:xfrm>
+          <a:prstGeom prst="rect">
+            <a:avLst/>
+          </a:prstGeom>
+          <a:noFill/>
+        </p:spPr>
+        <p:txBody>
+          <a:bodyPr wrap="square" rtlCol="0">
+            <a:spAutoFit/>
+          </a:bodyPr>
+          <a:lstStyle/>
+          <a:p>
+            <a:pPr algn="ctr"/>
+            <a:r>
+              <a:rPr lang="en-US" sz="1400" dirty="0" smtClean="0"/>
+              <a:t>h[0:L(3)]</a:t>
+            </a:r>
+            <a:endParaRPr lang="en-US" sz="1400" dirty="0"/>
+          </a:p>
+        </p:txBody>
+      </p:sp>
+      <p:sp>
+        <p:nvSpPr>
+          <p:cNvPr id="172" name="Rectangle 171"/>
+          <p:cNvSpPr/>
+          <p:nvPr/>
+        </p:nvSpPr>
+        <p:spPr>
+          <a:xfrm>
+            <a:off x="7048500" y="1295399"/>
+            <a:ext cx="1181100" cy="1255931"/>
           </a:xfrm>
           <a:prstGeom prst="rect">
             <a:avLst/>
@@ -3765,14 +5934,14 @@
       </p:sp>
       <p:cxnSp>
         <p:nvCxnSpPr>
-          <p:cNvPr id="26" name="Straight Connector 25"/>
+          <p:cNvPr id="173" name="Straight Connector 172"/>
           <p:cNvCxnSpPr/>
           <p:nvPr/>
         </p:nvCxnSpPr>
         <p:spPr>
           <a:xfrm>
-            <a:off x="7569438" y="1295400"/>
-            <a:ext cx="0" cy="1752600"/>
+            <a:off x="7378938" y="1295399"/>
+            <a:ext cx="0" cy="1255931"/>
           </a:xfrm>
           <a:prstGeom prst="line">
             <a:avLst/>
@@ -3801,13 +5970,13 @@
       </p:cxnSp>
       <p:sp>
         <p:nvSpPr>
-          <p:cNvPr id="27" name="TextBox 26"/>
+          <p:cNvPr id="174" name="TextBox 173"/>
           <p:cNvSpPr txBox="1"/>
           <p:nvPr/>
         </p:nvSpPr>
         <p:spPr>
           <a:xfrm>
-            <a:off x="7239000" y="1905000"/>
+            <a:off x="7048500" y="1628000"/>
             <a:ext cx="304800" cy="369332"/>
           </a:xfrm>
           <a:prstGeom prst="rect">
@@ -3832,14 +6001,14 @@
       </p:sp>
       <p:cxnSp>
         <p:nvCxnSpPr>
-          <p:cNvPr id="28" name="Straight Connector 27"/>
+          <p:cNvPr id="175" name="Straight Connector 174"/>
           <p:cNvCxnSpPr/>
           <p:nvPr/>
         </p:nvCxnSpPr>
         <p:spPr>
           <a:xfrm>
-            <a:off x="8229600" y="1295400"/>
-            <a:ext cx="0" cy="1752600"/>
+            <a:off x="7886700" y="1304150"/>
+            <a:ext cx="0" cy="1255931"/>
           </a:xfrm>
           <a:prstGeom prst="line">
             <a:avLst/>
@@ -3868,13 +6037,13 @@
       </p:cxnSp>
       <p:sp>
         <p:nvSpPr>
-          <p:cNvPr id="29" name="TextBox 28"/>
+          <p:cNvPr id="176" name="TextBox 175"/>
           <p:cNvSpPr txBox="1"/>
           <p:nvPr/>
         </p:nvSpPr>
         <p:spPr>
           <a:xfrm>
-            <a:off x="7696200" y="1905000"/>
+            <a:off x="7429500" y="1628000"/>
             <a:ext cx="381000" cy="369332"/>
           </a:xfrm>
           <a:prstGeom prst="rect">
@@ -3899,14 +6068,14 @@
       </p:sp>
       <p:sp>
         <p:nvSpPr>
-          <p:cNvPr id="30" name="TextBox 29"/>
+          <p:cNvPr id="177" name="TextBox 176"/>
           <p:cNvSpPr txBox="1"/>
           <p:nvPr/>
         </p:nvSpPr>
         <p:spPr>
           <a:xfrm>
-            <a:off x="8229600" y="1905000"/>
-            <a:ext cx="381000" cy="369332"/>
+            <a:off x="7886700" y="1628000"/>
+            <a:ext cx="298450" cy="369332"/>
           </a:xfrm>
           <a:prstGeom prst="rect">
             <a:avLst/>
@@ -3927,18 +6096,135 @@
           </a:p>
         </p:txBody>
       </p:sp>
+      <p:sp>
+        <p:nvSpPr>
+          <p:cNvPr id="178" name="Rounded Rectangle 177"/>
+          <p:cNvSpPr/>
+          <p:nvPr/>
+        </p:nvSpPr>
+        <p:spPr>
+          <a:xfrm>
+            <a:off x="7429500" y="761999"/>
+            <a:ext cx="533400" cy="228600"/>
+          </a:xfrm>
+          <a:prstGeom prst="roundRect">
+            <a:avLst/>
+          </a:prstGeom>
+        </p:spPr>
+        <p:style>
+          <a:lnRef idx="1">
+            <a:schemeClr val="accent1"/>
+          </a:lnRef>
+          <a:fillRef idx="2">
+            <a:schemeClr val="accent1"/>
+          </a:fillRef>
+          <a:effectRef idx="1">
+            <a:schemeClr val="accent1"/>
+          </a:effectRef>
+          <a:fontRef idx="minor">
+            <a:schemeClr val="dk1"/>
+          </a:fontRef>
+        </p:style>
+        <p:txBody>
+          <a:bodyPr rtlCol="0" anchor="ctr"/>
+          <a:lstStyle/>
+          <a:p>
+            <a:pPr algn="ctr"/>
+            <a:r>
+              <a:rPr lang="en-US" sz="1200" dirty="0" smtClean="0"/>
+              <a:t>hash</a:t>
+            </a:r>
+            <a:endParaRPr lang="en-US" sz="1200" dirty="0"/>
+          </a:p>
+        </p:txBody>
+      </p:sp>
+      <p:sp>
+        <p:nvSpPr>
+          <p:cNvPr id="179" name="TextBox 178"/>
+          <p:cNvSpPr txBox="1"/>
+          <p:nvPr/>
+        </p:nvSpPr>
+        <p:spPr>
+          <a:xfrm>
+            <a:off x="7048500" y="914399"/>
+            <a:ext cx="304800" cy="369332"/>
+          </a:xfrm>
+          <a:prstGeom prst="rect">
+            <a:avLst/>
+          </a:prstGeom>
+          <a:noFill/>
+        </p:spPr>
+        <p:txBody>
+          <a:bodyPr wrap="square" lIns="45720" rIns="0" rtlCol="0">
+            <a:spAutoFit/>
+          </a:bodyPr>
+          <a:lstStyle/>
+          <a:p>
+            <a:pPr algn="ctr"/>
+            <a:r>
+              <a:rPr lang="en-US" dirty="0" smtClean="0"/>
+              <a:t>T</a:t>
+            </a:r>
+            <a:r>
+              <a:rPr lang="en-US" baseline="-25000" dirty="0"/>
+              <a:t>4</a:t>
+            </a:r>
+            <a:endParaRPr lang="en-US" dirty="0"/>
+          </a:p>
+        </p:txBody>
+      </p:sp>
+      <p:sp>
+        <p:nvSpPr>
+          <p:cNvPr id="180" name="Rounded Rectangle 179"/>
+          <p:cNvSpPr/>
+          <p:nvPr/>
+        </p:nvSpPr>
+        <p:spPr>
+          <a:xfrm>
+            <a:off x="8229600" y="761999"/>
+            <a:ext cx="533400" cy="228600"/>
+          </a:xfrm>
+          <a:prstGeom prst="roundRect">
+            <a:avLst/>
+          </a:prstGeom>
+        </p:spPr>
+        <p:style>
+          <a:lnRef idx="1">
+            <a:schemeClr val="accent1"/>
+          </a:lnRef>
+          <a:fillRef idx="2">
+            <a:schemeClr val="accent1"/>
+          </a:fillRef>
+          <a:effectRef idx="1">
+            <a:schemeClr val="accent1"/>
+          </a:effectRef>
+          <a:fontRef idx="minor">
+            <a:schemeClr val="dk1"/>
+          </a:fontRef>
+        </p:style>
+        <p:txBody>
+          <a:bodyPr rtlCol="0" anchor="ctr"/>
+          <a:lstStyle/>
+          <a:p>
+            <a:pPr algn="ctr"/>
+            <a:r>
+              <a:rPr lang="en-US" sz="1200" dirty="0" smtClean="0"/>
+              <a:t>hash</a:t>
+            </a:r>
+            <a:endParaRPr lang="en-US" sz="1200" dirty="0"/>
+          </a:p>
+        </p:txBody>
+      </p:sp>
       <p:cxnSp>
         <p:nvCxnSpPr>
-          <p:cNvPr id="32" name="Straight Arrow Connector 31"/>
-          <p:cNvCxnSpPr>
-            <a:endCxn id="4" idx="0"/>
-          </p:cNvCxnSpPr>
+          <p:cNvPr id="181" name="Straight Arrow Connector 180"/>
+          <p:cNvCxnSpPr/>
           <p:nvPr/>
         </p:nvCxnSpPr>
         <p:spPr>
           <a:xfrm>
-            <a:off x="1219200" y="609600"/>
-            <a:ext cx="0" cy="685800"/>
+            <a:off x="7581900" y="380999"/>
+            <a:ext cx="0" cy="381000"/>
           </a:xfrm>
           <a:prstGeom prst="straightConnector1">
             <a:avLst/>
@@ -3965,100 +6251,52 @@
           </a:fontRef>
         </p:style>
       </p:cxnSp>
-      <p:sp>
-        <p:nvSpPr>
-          <p:cNvPr id="34" name="Rounded Rectangle 33"/>
-          <p:cNvSpPr/>
-          <p:nvPr/>
-        </p:nvSpPr>
-        <p:spPr>
-          <a:xfrm>
-            <a:off x="2133600" y="762000"/>
-            <a:ext cx="533400" cy="228600"/>
-          </a:xfrm>
-          <a:prstGeom prst="roundRect">
-            <a:avLst/>
-          </a:prstGeom>
-        </p:spPr>
-        <p:style>
-          <a:lnRef idx="1">
-            <a:schemeClr val="accent1"/>
-          </a:lnRef>
-          <a:fillRef idx="2">
-            <a:schemeClr val="accent1"/>
-          </a:fillRef>
-          <a:effectRef idx="1">
-            <a:schemeClr val="accent1"/>
-          </a:effectRef>
-          <a:fontRef idx="minor">
-            <a:schemeClr val="dk1"/>
-          </a:fontRef>
-        </p:style>
-        <p:txBody>
-          <a:bodyPr rtlCol="0" anchor="ctr"/>
-          <a:lstStyle/>
-          <a:p>
-            <a:pPr algn="ctr"/>
-            <a:r>
-              <a:rPr lang="en-US" sz="1200" dirty="0" smtClean="0"/>
-              <a:t>hash</a:t>
-            </a:r>
-            <a:endParaRPr lang="en-US" sz="1200" dirty="0"/>
-          </a:p>
-        </p:txBody>
-      </p:sp>
-      <p:sp>
-        <p:nvSpPr>
-          <p:cNvPr id="35" name="Rounded Rectangle 34"/>
-          <p:cNvSpPr/>
-          <p:nvPr/>
-        </p:nvSpPr>
-        <p:spPr>
-          <a:xfrm>
-            <a:off x="2819400" y="762000"/>
-            <a:ext cx="533400" cy="228600"/>
-          </a:xfrm>
-          <a:prstGeom prst="roundRect">
-            <a:avLst/>
-          </a:prstGeom>
-        </p:spPr>
-        <p:style>
-          <a:lnRef idx="1">
-            <a:schemeClr val="accent1"/>
-          </a:lnRef>
-          <a:fillRef idx="2">
-            <a:schemeClr val="accent1"/>
-          </a:fillRef>
-          <a:effectRef idx="1">
-            <a:schemeClr val="accent1"/>
-          </a:effectRef>
-          <a:fontRef idx="minor">
-            <a:schemeClr val="dk1"/>
-          </a:fontRef>
-        </p:style>
-        <p:txBody>
-          <a:bodyPr rtlCol="0" anchor="ctr"/>
-          <a:lstStyle/>
-          <a:p>
-            <a:pPr algn="ctr"/>
-            <a:r>
-              <a:rPr lang="en-US" sz="1200" dirty="0" smtClean="0"/>
-              <a:t>hash</a:t>
-            </a:r>
-            <a:endParaRPr lang="en-US" sz="1200" dirty="0"/>
-          </a:p>
-        </p:txBody>
-      </p:sp>
-      <p:sp>
-        <p:nvSpPr>
-          <p:cNvPr id="36" name="TextBox 35"/>
+      <p:cxnSp>
+        <p:nvCxnSpPr>
+          <p:cNvPr id="182" name="Straight Arrow Connector 181"/>
+          <p:cNvCxnSpPr/>
+          <p:nvPr/>
+        </p:nvCxnSpPr>
+        <p:spPr>
+          <a:xfrm>
+            <a:off x="7810500" y="380999"/>
+            <a:ext cx="0" cy="381000"/>
+          </a:xfrm>
+          <a:prstGeom prst="straightConnector1">
+            <a:avLst/>
+          </a:prstGeom>
+          <a:ln w="25400" cmpd="sng">
+            <a:solidFill>
+              <a:schemeClr val="tx1"/>
+            </a:solidFill>
+            <a:tailEnd type="arrow"/>
+          </a:ln>
+        </p:spPr>
+        <p:style>
+          <a:lnRef idx="1">
+            <a:schemeClr val="accent1"/>
+          </a:lnRef>
+          <a:fillRef idx="0">
+            <a:schemeClr val="accent1"/>
+          </a:fillRef>
+          <a:effectRef idx="0">
+            <a:schemeClr val="accent1"/>
+          </a:effectRef>
+          <a:fontRef idx="minor">
+            <a:schemeClr val="tx1"/>
+          </a:fontRef>
+        </p:style>
+      </p:cxnSp>
+      <p:sp>
+        <p:nvSpPr>
+          <p:cNvPr id="183" name="TextBox 182"/>
           <p:cNvSpPr txBox="1"/>
           <p:nvPr/>
         </p:nvSpPr>
         <p:spPr>
           <a:xfrm>
-            <a:off x="1752600" y="914400"/>
-            <a:ext cx="304800" cy="369332"/>
+            <a:off x="7137400" y="149422"/>
+            <a:ext cx="431800" cy="307777"/>
           </a:xfrm>
           <a:prstGeom prst="rect">
             <a:avLst/>
@@ -4066,21 +6304,1025 @@
           <a:noFill/>
         </p:spPr>
         <p:txBody>
-          <a:bodyPr wrap="square" lIns="45720" rIns="0" rtlCol="0">
+          <a:bodyPr wrap="square" rtlCol="0">
             <a:spAutoFit/>
           </a:bodyPr>
           <a:lstStyle/>
           <a:p>
             <a:pPr algn="ctr"/>
             <a:r>
-              <a:rPr lang="en-US" dirty="0" smtClean="0"/>
-              <a:t>T</a:t>
-            </a:r>
-            <a:r>
-              <a:rPr lang="en-US" baseline="-25000" dirty="0"/>
-              <a:t>1</a:t>
-            </a:r>
-            <a:endParaRPr lang="en-US" dirty="0"/>
+              <a:rPr lang="en-US" sz="1400" dirty="0" smtClean="0"/>
+              <a:t>PC</a:t>
+            </a:r>
+            <a:endParaRPr lang="en-US" sz="1400" dirty="0"/>
+          </a:p>
+        </p:txBody>
+      </p:sp>
+      <p:cxnSp>
+        <p:nvCxnSpPr>
+          <p:cNvPr id="184" name="Straight Connector 183"/>
+          <p:cNvCxnSpPr/>
+          <p:nvPr/>
+        </p:nvCxnSpPr>
+        <p:spPr>
+          <a:xfrm>
+            <a:off x="7581900" y="571499"/>
+            <a:ext cx="844550" cy="0"/>
+          </a:xfrm>
+          <a:prstGeom prst="line">
+            <a:avLst/>
+          </a:prstGeom>
+          <a:ln w="25400">
+            <a:solidFill>
+              <a:schemeClr val="tx1"/>
+            </a:solidFill>
+          </a:ln>
+        </p:spPr>
+        <p:style>
+          <a:lnRef idx="1">
+            <a:schemeClr val="accent1"/>
+          </a:lnRef>
+          <a:fillRef idx="0">
+            <a:schemeClr val="accent1"/>
+          </a:fillRef>
+          <a:effectRef idx="0">
+            <a:schemeClr val="accent1"/>
+          </a:effectRef>
+          <a:fontRef idx="minor">
+            <a:schemeClr val="tx1"/>
+          </a:fontRef>
+        </p:style>
+      </p:cxnSp>
+      <p:cxnSp>
+        <p:nvCxnSpPr>
+          <p:cNvPr id="185" name="Straight Arrow Connector 184"/>
+          <p:cNvCxnSpPr/>
+          <p:nvPr/>
+        </p:nvCxnSpPr>
+        <p:spPr>
+          <a:xfrm>
+            <a:off x="8420100" y="559593"/>
+            <a:ext cx="0" cy="202406"/>
+          </a:xfrm>
+          <a:prstGeom prst="straightConnector1">
+            <a:avLst/>
+          </a:prstGeom>
+          <a:ln w="25400" cmpd="sng">
+            <a:solidFill>
+              <a:schemeClr val="tx1"/>
+            </a:solidFill>
+            <a:tailEnd type="arrow"/>
+          </a:ln>
+        </p:spPr>
+        <p:style>
+          <a:lnRef idx="1">
+            <a:schemeClr val="accent1"/>
+          </a:lnRef>
+          <a:fillRef idx="0">
+            <a:schemeClr val="accent1"/>
+          </a:fillRef>
+          <a:effectRef idx="0">
+            <a:schemeClr val="accent1"/>
+          </a:effectRef>
+          <a:fontRef idx="minor">
+            <a:schemeClr val="tx1"/>
+          </a:fontRef>
+        </p:style>
+      </p:cxnSp>
+      <p:cxnSp>
+        <p:nvCxnSpPr>
+          <p:cNvPr id="186" name="Straight Connector 185"/>
+          <p:cNvCxnSpPr/>
+          <p:nvPr/>
+        </p:nvCxnSpPr>
+        <p:spPr>
+          <a:xfrm>
+            <a:off x="7804150" y="457199"/>
+            <a:ext cx="844550" cy="0"/>
+          </a:xfrm>
+          <a:prstGeom prst="line">
+            <a:avLst/>
+          </a:prstGeom>
+          <a:ln w="25400">
+            <a:solidFill>
+              <a:schemeClr val="tx1"/>
+            </a:solidFill>
+          </a:ln>
+        </p:spPr>
+        <p:style>
+          <a:lnRef idx="1">
+            <a:schemeClr val="accent1"/>
+          </a:lnRef>
+          <a:fillRef idx="0">
+            <a:schemeClr val="accent1"/>
+          </a:fillRef>
+          <a:effectRef idx="0">
+            <a:schemeClr val="accent1"/>
+          </a:effectRef>
+          <a:fontRef idx="minor">
+            <a:schemeClr val="tx1"/>
+          </a:fontRef>
+        </p:style>
+      </p:cxnSp>
+      <p:cxnSp>
+        <p:nvCxnSpPr>
+          <p:cNvPr id="187" name="Straight Arrow Connector 186"/>
+          <p:cNvCxnSpPr/>
+          <p:nvPr/>
+        </p:nvCxnSpPr>
+        <p:spPr>
+          <a:xfrm>
+            <a:off x="8648700" y="445293"/>
+            <a:ext cx="0" cy="316706"/>
+          </a:xfrm>
+          <a:prstGeom prst="straightConnector1">
+            <a:avLst/>
+          </a:prstGeom>
+          <a:ln w="25400" cmpd="sng">
+            <a:solidFill>
+              <a:schemeClr val="tx1"/>
+            </a:solidFill>
+            <a:tailEnd type="arrow"/>
+          </a:ln>
+        </p:spPr>
+        <p:style>
+          <a:lnRef idx="1">
+            <a:schemeClr val="accent1"/>
+          </a:lnRef>
+          <a:fillRef idx="0">
+            <a:schemeClr val="accent1"/>
+          </a:fillRef>
+          <a:effectRef idx="0">
+            <a:schemeClr val="accent1"/>
+          </a:effectRef>
+          <a:fontRef idx="minor">
+            <a:schemeClr val="tx1"/>
+          </a:fontRef>
+        </p:style>
+      </p:cxnSp>
+      <p:cxnSp>
+        <p:nvCxnSpPr>
+          <p:cNvPr id="188" name="Straight Arrow Connector 187"/>
+          <p:cNvCxnSpPr>
+            <a:endCxn id="191" idx="3"/>
+          </p:cNvCxnSpPr>
+          <p:nvPr/>
+        </p:nvCxnSpPr>
+        <p:spPr>
+          <a:xfrm flipH="1">
+            <a:off x="7905750" y="2971799"/>
+            <a:ext cx="597694" cy="0"/>
+          </a:xfrm>
+          <a:prstGeom prst="straightConnector1">
+            <a:avLst/>
+          </a:prstGeom>
+          <a:ln w="25400" cmpd="sng">
+            <a:solidFill>
+              <a:schemeClr val="tx1"/>
+            </a:solidFill>
+            <a:tailEnd type="arrow"/>
+          </a:ln>
+        </p:spPr>
+        <p:style>
+          <a:lnRef idx="1">
+            <a:schemeClr val="accent1"/>
+          </a:lnRef>
+          <a:fillRef idx="0">
+            <a:schemeClr val="accent1"/>
+          </a:fillRef>
+          <a:effectRef idx="0">
+            <a:schemeClr val="accent1"/>
+          </a:effectRef>
+          <a:fontRef idx="minor">
+            <a:schemeClr val="tx1"/>
+          </a:fontRef>
+        </p:style>
+      </p:cxnSp>
+      <p:cxnSp>
+        <p:nvCxnSpPr>
+          <p:cNvPr id="189" name="Straight Arrow Connector 188"/>
+          <p:cNvCxnSpPr/>
+          <p:nvPr/>
+        </p:nvCxnSpPr>
+        <p:spPr>
+          <a:xfrm>
+            <a:off x="7696200" y="981848"/>
+            <a:ext cx="0" cy="313551"/>
+          </a:xfrm>
+          <a:prstGeom prst="straightConnector1">
+            <a:avLst/>
+          </a:prstGeom>
+          <a:ln w="25400" cmpd="sng">
+            <a:solidFill>
+              <a:schemeClr val="tx1"/>
+            </a:solidFill>
+            <a:tailEnd type="arrow"/>
+          </a:ln>
+        </p:spPr>
+        <p:style>
+          <a:lnRef idx="1">
+            <a:schemeClr val="accent1"/>
+          </a:lnRef>
+          <a:fillRef idx="0">
+            <a:schemeClr val="accent1"/>
+          </a:fillRef>
+          <a:effectRef idx="0">
+            <a:schemeClr val="accent1"/>
+          </a:effectRef>
+          <a:fontRef idx="minor">
+            <a:schemeClr val="tx1"/>
+          </a:fontRef>
+        </p:style>
+      </p:cxnSp>
+      <p:cxnSp>
+        <p:nvCxnSpPr>
+          <p:cNvPr id="190" name="Straight Connector 189"/>
+          <p:cNvCxnSpPr/>
+          <p:nvPr/>
+        </p:nvCxnSpPr>
+        <p:spPr>
+          <a:xfrm>
+            <a:off x="8496300" y="990599"/>
+            <a:ext cx="0" cy="1981200"/>
+          </a:xfrm>
+          <a:prstGeom prst="line">
+            <a:avLst/>
+          </a:prstGeom>
+          <a:ln w="25400">
+            <a:solidFill>
+              <a:schemeClr val="tx1"/>
+            </a:solidFill>
+          </a:ln>
+        </p:spPr>
+        <p:style>
+          <a:lnRef idx="1">
+            <a:schemeClr val="accent1"/>
+          </a:lnRef>
+          <a:fillRef idx="0">
+            <a:schemeClr val="accent1"/>
+          </a:fillRef>
+          <a:effectRef idx="0">
+            <a:schemeClr val="accent1"/>
+          </a:effectRef>
+          <a:fontRef idx="minor">
+            <a:schemeClr val="tx1"/>
+          </a:fontRef>
+        </p:style>
+      </p:cxnSp>
+      <p:sp>
+        <p:nvSpPr>
+          <p:cNvPr id="191" name="Rounded Rectangle 190"/>
+          <p:cNvSpPr/>
+          <p:nvPr/>
+        </p:nvSpPr>
+        <p:spPr>
+          <a:xfrm>
+            <a:off x="7372350" y="2857499"/>
+            <a:ext cx="533400" cy="228600"/>
+          </a:xfrm>
+          <a:prstGeom prst="roundRect">
+            <a:avLst/>
+          </a:prstGeom>
+        </p:spPr>
+        <p:style>
+          <a:lnRef idx="1">
+            <a:schemeClr val="accent1"/>
+          </a:lnRef>
+          <a:fillRef idx="2">
+            <a:schemeClr val="accent1"/>
+          </a:fillRef>
+          <a:effectRef idx="1">
+            <a:schemeClr val="accent1"/>
+          </a:effectRef>
+          <a:fontRef idx="minor">
+            <a:schemeClr val="dk1"/>
+          </a:fontRef>
+        </p:style>
+        <p:txBody>
+          <a:bodyPr rtlCol="0" anchor="ctr"/>
+          <a:lstStyle/>
+          <a:p>
+            <a:pPr algn="ctr"/>
+            <a:r>
+              <a:rPr lang="en-US" sz="1200" dirty="0" smtClean="0"/>
+              <a:t>=?</a:t>
+            </a:r>
+            <a:endParaRPr lang="en-US" sz="1200" dirty="0"/>
+          </a:p>
+        </p:txBody>
+      </p:sp>
+      <p:cxnSp>
+        <p:nvCxnSpPr>
+          <p:cNvPr id="192" name="Straight Arrow Connector 191"/>
+          <p:cNvCxnSpPr/>
+          <p:nvPr/>
+        </p:nvCxnSpPr>
+        <p:spPr>
+          <a:xfrm>
+            <a:off x="7658100" y="2543948"/>
+            <a:ext cx="0" cy="313551"/>
+          </a:xfrm>
+          <a:prstGeom prst="straightConnector1">
+            <a:avLst/>
+          </a:prstGeom>
+          <a:ln w="25400" cmpd="sng">
+            <a:solidFill>
+              <a:schemeClr val="tx1"/>
+            </a:solidFill>
+            <a:tailEnd type="arrow"/>
+          </a:ln>
+        </p:spPr>
+        <p:style>
+          <a:lnRef idx="1">
+            <a:schemeClr val="accent1"/>
+          </a:lnRef>
+          <a:fillRef idx="0">
+            <a:schemeClr val="accent1"/>
+          </a:fillRef>
+          <a:effectRef idx="0">
+            <a:schemeClr val="accent1"/>
+          </a:effectRef>
+          <a:fontRef idx="minor">
+            <a:schemeClr val="tx1"/>
+          </a:fontRef>
+        </p:style>
+      </p:cxnSp>
+      <p:cxnSp>
+        <p:nvCxnSpPr>
+          <p:cNvPr id="193" name="Straight Connector 192"/>
+          <p:cNvCxnSpPr/>
+          <p:nvPr/>
+        </p:nvCxnSpPr>
+        <p:spPr>
+          <a:xfrm>
+            <a:off x="7658100" y="3086099"/>
+            <a:ext cx="29926" cy="2529840"/>
+          </a:xfrm>
+          <a:prstGeom prst="line">
+            <a:avLst/>
+          </a:prstGeom>
+          <a:ln w="25400">
+            <a:solidFill>
+              <a:schemeClr val="tx1"/>
+            </a:solidFill>
+          </a:ln>
+        </p:spPr>
+        <p:style>
+          <a:lnRef idx="1">
+            <a:schemeClr val="accent1"/>
+          </a:lnRef>
+          <a:fillRef idx="0">
+            <a:schemeClr val="accent1"/>
+          </a:fillRef>
+          <a:effectRef idx="0">
+            <a:schemeClr val="accent1"/>
+          </a:effectRef>
+          <a:fontRef idx="minor">
+            <a:schemeClr val="tx1"/>
+          </a:fontRef>
+        </p:style>
+      </p:cxnSp>
+      <p:cxnSp>
+        <p:nvCxnSpPr>
+          <p:cNvPr id="195" name="Straight Arrow Connector 194"/>
+          <p:cNvCxnSpPr/>
+          <p:nvPr/>
+        </p:nvCxnSpPr>
+        <p:spPr>
+          <a:xfrm>
+            <a:off x="7200900" y="2543948"/>
+            <a:ext cx="0" cy="2957691"/>
+          </a:xfrm>
+          <a:prstGeom prst="straightConnector1">
+            <a:avLst/>
+          </a:prstGeom>
+          <a:ln w="25400" cmpd="sng">
+            <a:solidFill>
+              <a:schemeClr val="tx1"/>
+            </a:solidFill>
+            <a:tailEnd type="arrow"/>
+          </a:ln>
+        </p:spPr>
+        <p:style>
+          <a:lnRef idx="1">
+            <a:schemeClr val="accent1"/>
+          </a:lnRef>
+          <a:fillRef idx="0">
+            <a:schemeClr val="accent1"/>
+          </a:fillRef>
+          <a:effectRef idx="0">
+            <a:schemeClr val="accent1"/>
+          </a:effectRef>
+          <a:fontRef idx="minor">
+            <a:schemeClr val="tx1"/>
+          </a:fontRef>
+        </p:style>
+      </p:cxnSp>
+      <p:sp>
+        <p:nvSpPr>
+          <p:cNvPr id="196" name="TextBox 195"/>
+          <p:cNvSpPr txBox="1"/>
+          <p:nvPr/>
+        </p:nvSpPr>
+        <p:spPr>
+          <a:xfrm>
+            <a:off x="7838239" y="149422"/>
+            <a:ext cx="876300" cy="307777"/>
+          </a:xfrm>
+          <a:prstGeom prst="rect">
+            <a:avLst/>
+          </a:prstGeom>
+          <a:noFill/>
+        </p:spPr>
+        <p:txBody>
+          <a:bodyPr wrap="square" rtlCol="0">
+            <a:spAutoFit/>
+          </a:bodyPr>
+          <a:lstStyle/>
+          <a:p>
+            <a:pPr algn="ctr"/>
+            <a:r>
+              <a:rPr lang="en-US" sz="1400" dirty="0" smtClean="0"/>
+              <a:t>h[0:L(4)]</a:t>
+            </a:r>
+            <a:endParaRPr lang="en-US" sz="1400" dirty="0"/>
+          </a:p>
+        </p:txBody>
+      </p:sp>
+      <p:sp>
+        <p:nvSpPr>
+          <p:cNvPr id="198" name="Trapezoid 197"/>
+          <p:cNvSpPr/>
+          <p:nvPr/>
+        </p:nvSpPr>
+        <p:spPr>
+          <a:xfrm rot="10800000">
+            <a:off x="2803287" y="4038600"/>
+            <a:ext cx="778113" cy="228600"/>
+          </a:xfrm>
+          <a:prstGeom prst="trapezoid">
+            <a:avLst>
+              <a:gd name="adj" fmla="val 66177"/>
+            </a:avLst>
+          </a:prstGeom>
+        </p:spPr>
+        <p:style>
+          <a:lnRef idx="1">
+            <a:schemeClr val="accent1"/>
+          </a:lnRef>
+          <a:fillRef idx="2">
+            <a:schemeClr val="accent1"/>
+          </a:fillRef>
+          <a:effectRef idx="1">
+            <a:schemeClr val="accent1"/>
+          </a:effectRef>
+          <a:fontRef idx="minor">
+            <a:schemeClr val="dk1"/>
+          </a:fontRef>
+        </p:style>
+        <p:txBody>
+          <a:bodyPr rtlCol="0" anchor="ctr"/>
+          <a:lstStyle/>
+          <a:p>
+            <a:pPr algn="ctr"/>
+            <a:endParaRPr lang="en-US"/>
+          </a:p>
+        </p:txBody>
+      </p:sp>
+      <p:cxnSp>
+        <p:nvCxnSpPr>
+          <p:cNvPr id="200" name="Straight Connector 199"/>
+          <p:cNvCxnSpPr/>
+          <p:nvPr/>
+        </p:nvCxnSpPr>
+        <p:spPr>
+          <a:xfrm>
+            <a:off x="1257298" y="3810000"/>
+            <a:ext cx="1771652" cy="0"/>
+          </a:xfrm>
+          <a:prstGeom prst="line">
+            <a:avLst/>
+          </a:prstGeom>
+          <a:ln w="25400">
+            <a:solidFill>
+              <a:schemeClr val="tx1"/>
+            </a:solidFill>
+          </a:ln>
+        </p:spPr>
+        <p:style>
+          <a:lnRef idx="1">
+            <a:schemeClr val="accent1"/>
+          </a:lnRef>
+          <a:fillRef idx="0">
+            <a:schemeClr val="accent1"/>
+          </a:fillRef>
+          <a:effectRef idx="0">
+            <a:schemeClr val="accent1"/>
+          </a:effectRef>
+          <a:fontRef idx="minor">
+            <a:schemeClr val="tx1"/>
+          </a:fontRef>
+        </p:style>
+      </p:cxnSp>
+      <p:cxnSp>
+        <p:nvCxnSpPr>
+          <p:cNvPr id="201" name="Straight Connector 200"/>
+          <p:cNvCxnSpPr/>
+          <p:nvPr/>
+        </p:nvCxnSpPr>
+        <p:spPr>
+          <a:xfrm>
+            <a:off x="1265356" y="3538537"/>
+            <a:ext cx="0" cy="271463"/>
+          </a:xfrm>
+          <a:prstGeom prst="line">
+            <a:avLst/>
+          </a:prstGeom>
+          <a:ln w="25400">
+            <a:solidFill>
+              <a:schemeClr val="tx1"/>
+            </a:solidFill>
+          </a:ln>
+        </p:spPr>
+        <p:style>
+          <a:lnRef idx="1">
+            <a:schemeClr val="accent1"/>
+          </a:lnRef>
+          <a:fillRef idx="0">
+            <a:schemeClr val="accent1"/>
+          </a:fillRef>
+          <a:effectRef idx="0">
+            <a:schemeClr val="accent1"/>
+          </a:effectRef>
+          <a:fontRef idx="minor">
+            <a:schemeClr val="tx1"/>
+          </a:fontRef>
+        </p:style>
+      </p:cxnSp>
+      <p:cxnSp>
+        <p:nvCxnSpPr>
+          <p:cNvPr id="204" name="Straight Arrow Connector 203"/>
+          <p:cNvCxnSpPr/>
+          <p:nvPr/>
+        </p:nvCxnSpPr>
+        <p:spPr>
+          <a:xfrm>
+            <a:off x="3028950" y="3810000"/>
+            <a:ext cx="0" cy="228600"/>
+          </a:xfrm>
+          <a:prstGeom prst="straightConnector1">
+            <a:avLst/>
+          </a:prstGeom>
+          <a:ln w="25400" cmpd="sng">
+            <a:solidFill>
+              <a:schemeClr val="tx1"/>
+            </a:solidFill>
+            <a:tailEnd type="arrow"/>
+          </a:ln>
+        </p:spPr>
+        <p:style>
+          <a:lnRef idx="1">
+            <a:schemeClr val="accent1"/>
+          </a:lnRef>
+          <a:fillRef idx="0">
+            <a:schemeClr val="accent1"/>
+          </a:fillRef>
+          <a:effectRef idx="0">
+            <a:schemeClr val="accent1"/>
+          </a:effectRef>
+          <a:fontRef idx="minor">
+            <a:schemeClr val="tx1"/>
+          </a:fontRef>
+        </p:style>
+      </p:cxnSp>
+      <p:sp>
+        <p:nvSpPr>
+          <p:cNvPr id="214" name="Trapezoid 213"/>
+          <p:cNvSpPr/>
+          <p:nvPr/>
+        </p:nvSpPr>
+        <p:spPr>
+          <a:xfrm rot="10800000">
+            <a:off x="4721225" y="4767263"/>
+            <a:ext cx="778113" cy="228600"/>
+          </a:xfrm>
+          <a:prstGeom prst="trapezoid">
+            <a:avLst>
+              <a:gd name="adj" fmla="val 66177"/>
+            </a:avLst>
+          </a:prstGeom>
+        </p:spPr>
+        <p:style>
+          <a:lnRef idx="1">
+            <a:schemeClr val="accent1"/>
+          </a:lnRef>
+          <a:fillRef idx="2">
+            <a:schemeClr val="accent1"/>
+          </a:fillRef>
+          <a:effectRef idx="1">
+            <a:schemeClr val="accent1"/>
+          </a:effectRef>
+          <a:fontRef idx="minor">
+            <a:schemeClr val="dk1"/>
+          </a:fontRef>
+        </p:style>
+        <p:txBody>
+          <a:bodyPr rtlCol="0" anchor="ctr"/>
+          <a:lstStyle/>
+          <a:p>
+            <a:pPr algn="ctr"/>
+            <a:endParaRPr lang="en-US"/>
+          </a:p>
+        </p:txBody>
+      </p:sp>
+      <p:cxnSp>
+        <p:nvCxnSpPr>
+          <p:cNvPr id="215" name="Straight Connector 214"/>
+          <p:cNvCxnSpPr/>
+          <p:nvPr/>
+        </p:nvCxnSpPr>
+        <p:spPr>
+          <a:xfrm>
+            <a:off x="3175236" y="4538663"/>
+            <a:ext cx="1771652" cy="0"/>
+          </a:xfrm>
+          <a:prstGeom prst="line">
+            <a:avLst/>
+          </a:prstGeom>
+          <a:ln w="25400">
+            <a:solidFill>
+              <a:schemeClr val="tx1"/>
+            </a:solidFill>
+          </a:ln>
+        </p:spPr>
+        <p:style>
+          <a:lnRef idx="1">
+            <a:schemeClr val="accent1"/>
+          </a:lnRef>
+          <a:fillRef idx="0">
+            <a:schemeClr val="accent1"/>
+          </a:fillRef>
+          <a:effectRef idx="0">
+            <a:schemeClr val="accent1"/>
+          </a:effectRef>
+          <a:fontRef idx="minor">
+            <a:schemeClr val="tx1"/>
+          </a:fontRef>
+        </p:style>
+      </p:cxnSp>
+      <p:cxnSp>
+        <p:nvCxnSpPr>
+          <p:cNvPr id="216" name="Straight Connector 215"/>
+          <p:cNvCxnSpPr/>
+          <p:nvPr/>
+        </p:nvCxnSpPr>
+        <p:spPr>
+          <a:xfrm>
+            <a:off x="3183294" y="4267200"/>
+            <a:ext cx="0" cy="271463"/>
+          </a:xfrm>
+          <a:prstGeom prst="line">
+            <a:avLst/>
+          </a:prstGeom>
+          <a:ln w="25400">
+            <a:solidFill>
+              <a:schemeClr val="tx1"/>
+            </a:solidFill>
+          </a:ln>
+        </p:spPr>
+        <p:style>
+          <a:lnRef idx="1">
+            <a:schemeClr val="accent1"/>
+          </a:lnRef>
+          <a:fillRef idx="0">
+            <a:schemeClr val="accent1"/>
+          </a:fillRef>
+          <a:effectRef idx="0">
+            <a:schemeClr val="accent1"/>
+          </a:effectRef>
+          <a:fontRef idx="minor">
+            <a:schemeClr val="tx1"/>
+          </a:fontRef>
+        </p:style>
+      </p:cxnSp>
+      <p:cxnSp>
+        <p:nvCxnSpPr>
+          <p:cNvPr id="217" name="Straight Arrow Connector 216"/>
+          <p:cNvCxnSpPr/>
+          <p:nvPr/>
+        </p:nvCxnSpPr>
+        <p:spPr>
+          <a:xfrm>
+            <a:off x="4946888" y="4538663"/>
+            <a:ext cx="0" cy="228600"/>
+          </a:xfrm>
+          <a:prstGeom prst="straightConnector1">
+            <a:avLst/>
+          </a:prstGeom>
+          <a:ln w="25400" cmpd="sng">
+            <a:solidFill>
+              <a:schemeClr val="tx1"/>
+            </a:solidFill>
+            <a:tailEnd type="arrow"/>
+          </a:ln>
+        </p:spPr>
+        <p:style>
+          <a:lnRef idx="1">
+            <a:schemeClr val="accent1"/>
+          </a:lnRef>
+          <a:fillRef idx="0">
+            <a:schemeClr val="accent1"/>
+          </a:fillRef>
+          <a:effectRef idx="0">
+            <a:schemeClr val="accent1"/>
+          </a:effectRef>
+          <a:fontRef idx="minor">
+            <a:schemeClr val="tx1"/>
+          </a:fontRef>
+        </p:style>
+      </p:cxnSp>
+      <p:cxnSp>
+        <p:nvCxnSpPr>
+          <p:cNvPr id="225" name="Straight Arrow Connector 224"/>
+          <p:cNvCxnSpPr/>
+          <p:nvPr/>
+        </p:nvCxnSpPr>
+        <p:spPr>
+          <a:xfrm flipH="1">
+            <a:off x="5417343" y="4881562"/>
+            <a:ext cx="350045" cy="0"/>
+          </a:xfrm>
+          <a:prstGeom prst="straightConnector1">
+            <a:avLst/>
+          </a:prstGeom>
+          <a:ln w="25400" cmpd="sng">
+            <a:solidFill>
+              <a:schemeClr val="tx1"/>
+            </a:solidFill>
+            <a:tailEnd type="arrow"/>
+          </a:ln>
+        </p:spPr>
+        <p:style>
+          <a:lnRef idx="1">
+            <a:schemeClr val="accent1"/>
+          </a:lnRef>
+          <a:fillRef idx="0">
+            <a:schemeClr val="accent1"/>
+          </a:fillRef>
+          <a:effectRef idx="0">
+            <a:schemeClr val="accent1"/>
+          </a:effectRef>
+          <a:fontRef idx="minor">
+            <a:schemeClr val="tx1"/>
+          </a:fontRef>
+        </p:style>
+      </p:cxnSp>
+      <p:sp>
+        <p:nvSpPr>
+          <p:cNvPr id="226" name="Trapezoid 225"/>
+          <p:cNvSpPr/>
+          <p:nvPr/>
+        </p:nvSpPr>
+        <p:spPr>
+          <a:xfrm rot="10800000">
+            <a:off x="6641863" y="5501639"/>
+            <a:ext cx="778113" cy="228600"/>
+          </a:xfrm>
+          <a:prstGeom prst="trapezoid">
+            <a:avLst>
+              <a:gd name="adj" fmla="val 66177"/>
+            </a:avLst>
+          </a:prstGeom>
+        </p:spPr>
+        <p:style>
+          <a:lnRef idx="1">
+            <a:schemeClr val="accent1"/>
+          </a:lnRef>
+          <a:fillRef idx="2">
+            <a:schemeClr val="accent1"/>
+          </a:fillRef>
+          <a:effectRef idx="1">
+            <a:schemeClr val="accent1"/>
+          </a:effectRef>
+          <a:fontRef idx="minor">
+            <a:schemeClr val="dk1"/>
+          </a:fontRef>
+        </p:style>
+        <p:txBody>
+          <a:bodyPr rtlCol="0" anchor="ctr"/>
+          <a:lstStyle/>
+          <a:p>
+            <a:pPr algn="ctr"/>
+            <a:endParaRPr lang="en-US"/>
+          </a:p>
+        </p:txBody>
+      </p:sp>
+      <p:cxnSp>
+        <p:nvCxnSpPr>
+          <p:cNvPr id="227" name="Straight Connector 226"/>
+          <p:cNvCxnSpPr/>
+          <p:nvPr/>
+        </p:nvCxnSpPr>
+        <p:spPr>
+          <a:xfrm>
+            <a:off x="5095874" y="5273039"/>
+            <a:ext cx="1771652" cy="0"/>
+          </a:xfrm>
+          <a:prstGeom prst="line">
+            <a:avLst/>
+          </a:prstGeom>
+          <a:ln w="25400">
+            <a:solidFill>
+              <a:schemeClr val="tx1"/>
+            </a:solidFill>
+          </a:ln>
+        </p:spPr>
+        <p:style>
+          <a:lnRef idx="1">
+            <a:schemeClr val="accent1"/>
+          </a:lnRef>
+          <a:fillRef idx="0">
+            <a:schemeClr val="accent1"/>
+          </a:fillRef>
+          <a:effectRef idx="0">
+            <a:schemeClr val="accent1"/>
+          </a:effectRef>
+          <a:fontRef idx="minor">
+            <a:schemeClr val="tx1"/>
+          </a:fontRef>
+        </p:style>
+      </p:cxnSp>
+      <p:cxnSp>
+        <p:nvCxnSpPr>
+          <p:cNvPr id="228" name="Straight Connector 227"/>
+          <p:cNvCxnSpPr/>
+          <p:nvPr/>
+        </p:nvCxnSpPr>
+        <p:spPr>
+          <a:xfrm>
+            <a:off x="5103932" y="5001576"/>
+            <a:ext cx="0" cy="271463"/>
+          </a:xfrm>
+          <a:prstGeom prst="line">
+            <a:avLst/>
+          </a:prstGeom>
+          <a:ln w="25400">
+            <a:solidFill>
+              <a:schemeClr val="tx1"/>
+            </a:solidFill>
+          </a:ln>
+        </p:spPr>
+        <p:style>
+          <a:lnRef idx="1">
+            <a:schemeClr val="accent1"/>
+          </a:lnRef>
+          <a:fillRef idx="0">
+            <a:schemeClr val="accent1"/>
+          </a:fillRef>
+          <a:effectRef idx="0">
+            <a:schemeClr val="accent1"/>
+          </a:effectRef>
+          <a:fontRef idx="minor">
+            <a:schemeClr val="tx1"/>
+          </a:fontRef>
+        </p:style>
+      </p:cxnSp>
+      <p:cxnSp>
+        <p:nvCxnSpPr>
+          <p:cNvPr id="229" name="Straight Arrow Connector 228"/>
+          <p:cNvCxnSpPr/>
+          <p:nvPr/>
+        </p:nvCxnSpPr>
+        <p:spPr>
+          <a:xfrm>
+            <a:off x="6867526" y="5273039"/>
+            <a:ext cx="0" cy="228600"/>
+          </a:xfrm>
+          <a:prstGeom prst="straightConnector1">
+            <a:avLst/>
+          </a:prstGeom>
+          <a:ln w="25400" cmpd="sng">
+            <a:solidFill>
+              <a:schemeClr val="tx1"/>
+            </a:solidFill>
+            <a:tailEnd type="arrow"/>
+          </a:ln>
+        </p:spPr>
+        <p:style>
+          <a:lnRef idx="1">
+            <a:schemeClr val="accent1"/>
+          </a:lnRef>
+          <a:fillRef idx="0">
+            <a:schemeClr val="accent1"/>
+          </a:fillRef>
+          <a:effectRef idx="0">
+            <a:schemeClr val="accent1"/>
+          </a:effectRef>
+          <a:fontRef idx="minor">
+            <a:schemeClr val="tx1"/>
+          </a:fontRef>
+        </p:style>
+      </p:cxnSp>
+      <p:cxnSp>
+        <p:nvCxnSpPr>
+          <p:cNvPr id="230" name="Straight Arrow Connector 229"/>
+          <p:cNvCxnSpPr/>
+          <p:nvPr/>
+        </p:nvCxnSpPr>
+        <p:spPr>
+          <a:xfrm flipH="1">
+            <a:off x="7337981" y="5615938"/>
+            <a:ext cx="350045" cy="0"/>
+          </a:xfrm>
+          <a:prstGeom prst="straightConnector1">
+            <a:avLst/>
+          </a:prstGeom>
+          <a:ln w="25400" cmpd="sng">
+            <a:solidFill>
+              <a:schemeClr val="tx1"/>
+            </a:solidFill>
+            <a:tailEnd type="arrow"/>
+          </a:ln>
+        </p:spPr>
+        <p:style>
+          <a:lnRef idx="1">
+            <a:schemeClr val="accent1"/>
+          </a:lnRef>
+          <a:fillRef idx="0">
+            <a:schemeClr val="accent1"/>
+          </a:fillRef>
+          <a:effectRef idx="0">
+            <a:schemeClr val="accent1"/>
+          </a:effectRef>
+          <a:fontRef idx="minor">
+            <a:schemeClr val="tx1"/>
+          </a:fontRef>
+        </p:style>
+      </p:cxnSp>
+      <p:cxnSp>
+        <p:nvCxnSpPr>
+          <p:cNvPr id="237" name="Straight Arrow Connector 236"/>
+          <p:cNvCxnSpPr/>
+          <p:nvPr/>
+        </p:nvCxnSpPr>
+        <p:spPr>
+          <a:xfrm>
+            <a:off x="7030919" y="5730240"/>
+            <a:ext cx="0" cy="518160"/>
+          </a:xfrm>
+          <a:prstGeom prst="straightConnector1">
+            <a:avLst/>
+          </a:prstGeom>
+          <a:ln w="25400" cmpd="sng">
+            <a:solidFill>
+              <a:schemeClr val="tx1"/>
+            </a:solidFill>
+            <a:tailEnd type="arrow"/>
+          </a:ln>
+        </p:spPr>
+        <p:style>
+          <a:lnRef idx="1">
+            <a:schemeClr val="accent1"/>
+          </a:lnRef>
+          <a:fillRef idx="0">
+            <a:schemeClr val="accent1"/>
+          </a:fillRef>
+          <a:effectRef idx="0">
+            <a:schemeClr val="accent1"/>
+          </a:effectRef>
+          <a:fontRef idx="minor">
+            <a:schemeClr val="tx1"/>
+          </a:fontRef>
+        </p:style>
+      </p:cxnSp>
+      <p:sp>
+        <p:nvSpPr>
+          <p:cNvPr id="239" name="TextBox 238"/>
+          <p:cNvSpPr txBox="1"/>
+          <p:nvPr/>
+        </p:nvSpPr>
+        <p:spPr>
+          <a:xfrm>
+            <a:off x="5981699" y="5875456"/>
+            <a:ext cx="1049220" cy="307777"/>
+          </a:xfrm>
+          <a:prstGeom prst="rect">
+            <a:avLst/>
+          </a:prstGeom>
+          <a:noFill/>
+        </p:spPr>
+        <p:txBody>
+          <a:bodyPr wrap="square" rtlCol="0">
+            <a:spAutoFit/>
+          </a:bodyPr>
+          <a:lstStyle/>
+          <a:p>
+            <a:pPr algn="ctr"/>
+            <a:r>
+              <a:rPr lang="en-US" sz="1400" dirty="0" smtClean="0"/>
+              <a:t>Prediction</a:t>
+            </a:r>
+            <a:endParaRPr lang="en-US" sz="1400" dirty="0"/>
           </a:p>
         </p:txBody>
       </p:sp>

--- a/Figures/tage.pptx
+++ b/Figures/tage.pptx
@@ -288,7 +288,7 @@
           <a:p>
             <a:fld id="{CF62E1F1-6434-4528-9621-187248682A14}" type="datetimeFigureOut">
               <a:rPr lang="en-US" smtClean="0"/>
-              <a:t>7/5/2014</a:t>
+              <a:t>7/22/2014</a:t>
             </a:fld>
             <a:endParaRPr lang="en-US"/>
           </a:p>
@@ -453,7 +453,7 @@
           <a:p>
             <a:fld id="{CF62E1F1-6434-4528-9621-187248682A14}" type="datetimeFigureOut">
               <a:rPr lang="en-US" smtClean="0"/>
-              <a:t>7/5/2014</a:t>
+              <a:t>7/22/2014</a:t>
             </a:fld>
             <a:endParaRPr lang="en-US"/>
           </a:p>
@@ -628,7 +628,7 @@
           <a:p>
             <a:fld id="{CF62E1F1-6434-4528-9621-187248682A14}" type="datetimeFigureOut">
               <a:rPr lang="en-US" smtClean="0"/>
-              <a:t>7/5/2014</a:t>
+              <a:t>7/22/2014</a:t>
             </a:fld>
             <a:endParaRPr lang="en-US"/>
           </a:p>
@@ -793,7 +793,7 @@
           <a:p>
             <a:fld id="{CF62E1F1-6434-4528-9621-187248682A14}" type="datetimeFigureOut">
               <a:rPr lang="en-US" smtClean="0"/>
-              <a:t>7/5/2014</a:t>
+              <a:t>7/22/2014</a:t>
             </a:fld>
             <a:endParaRPr lang="en-US"/>
           </a:p>
@@ -1034,7 +1034,7 @@
           <a:p>
             <a:fld id="{CF62E1F1-6434-4528-9621-187248682A14}" type="datetimeFigureOut">
               <a:rPr lang="en-US" smtClean="0"/>
-              <a:t>7/5/2014</a:t>
+              <a:t>7/22/2014</a:t>
             </a:fld>
             <a:endParaRPr lang="en-US"/>
           </a:p>
@@ -1317,7 +1317,7 @@
           <a:p>
             <a:fld id="{CF62E1F1-6434-4528-9621-187248682A14}" type="datetimeFigureOut">
               <a:rPr lang="en-US" smtClean="0"/>
-              <a:t>7/5/2014</a:t>
+              <a:t>7/22/2014</a:t>
             </a:fld>
             <a:endParaRPr lang="en-US"/>
           </a:p>
@@ -1734,7 +1734,7 @@
           <a:p>
             <a:fld id="{CF62E1F1-6434-4528-9621-187248682A14}" type="datetimeFigureOut">
               <a:rPr lang="en-US" smtClean="0"/>
-              <a:t>7/5/2014</a:t>
+              <a:t>7/22/2014</a:t>
             </a:fld>
             <a:endParaRPr lang="en-US"/>
           </a:p>
@@ -1847,7 +1847,7 @@
           <a:p>
             <a:fld id="{CF62E1F1-6434-4528-9621-187248682A14}" type="datetimeFigureOut">
               <a:rPr lang="en-US" smtClean="0"/>
-              <a:t>7/5/2014</a:t>
+              <a:t>7/22/2014</a:t>
             </a:fld>
             <a:endParaRPr lang="en-US"/>
           </a:p>
@@ -1937,7 +1937,7 @@
           <a:p>
             <a:fld id="{CF62E1F1-6434-4528-9621-187248682A14}" type="datetimeFigureOut">
               <a:rPr lang="en-US" smtClean="0"/>
-              <a:t>7/5/2014</a:t>
+              <a:t>7/22/2014</a:t>
             </a:fld>
             <a:endParaRPr lang="en-US"/>
           </a:p>
@@ -2209,7 +2209,7 @@
           <a:p>
             <a:fld id="{CF62E1F1-6434-4528-9621-187248682A14}" type="datetimeFigureOut">
               <a:rPr lang="en-US" smtClean="0"/>
-              <a:t>7/5/2014</a:t>
+              <a:t>7/22/2014</a:t>
             </a:fld>
             <a:endParaRPr lang="en-US"/>
           </a:p>
@@ -2457,7 +2457,7 @@
           <a:p>
             <a:fld id="{CF62E1F1-6434-4528-9621-187248682A14}" type="datetimeFigureOut">
               <a:rPr lang="en-US" smtClean="0"/>
-              <a:t>7/5/2014</a:t>
+              <a:t>7/22/2014</a:t>
             </a:fld>
             <a:endParaRPr lang="en-US"/>
           </a:p>
@@ -2665,7 +2665,7 @@
           <a:p>
             <a:fld id="{CF62E1F1-6434-4528-9621-187248682A14}" type="datetimeFigureOut">
               <a:rPr lang="en-US" smtClean="0"/>
-              <a:t>7/5/2014</a:t>
+              <a:t>7/22/2014</a:t>
             </a:fld>
             <a:endParaRPr lang="en-US"/>
           </a:p>
@@ -3049,19 +3049,20 @@
           <a:prstGeom prst="rect">
             <a:avLst/>
           </a:prstGeom>
-        </p:spPr>
-        <p:style>
-          <a:lnRef idx="1">
-            <a:schemeClr val="accent1"/>
-          </a:lnRef>
-          <a:fillRef idx="2">
-            <a:schemeClr val="accent1"/>
-          </a:fillRef>
-          <a:effectRef idx="1">
-            <a:schemeClr val="accent1"/>
-          </a:effectRef>
-          <a:fontRef idx="minor">
-            <a:schemeClr val="dk1"/>
+          <a:ln/>
+        </p:spPr>
+        <p:style>
+          <a:lnRef idx="0">
+            <a:schemeClr val="accent1"/>
+          </a:lnRef>
+          <a:fillRef idx="3">
+            <a:schemeClr val="accent1"/>
+          </a:fillRef>
+          <a:effectRef idx="3">
+            <a:schemeClr val="accent1"/>
+          </a:effectRef>
+          <a:fontRef idx="minor">
+            <a:schemeClr val="lt1"/>
           </a:fontRef>
         </p:style>
         <p:txBody>
@@ -3070,10 +3071,18 @@
           <a:p>
             <a:pPr algn="ctr"/>
             <a:r>
-              <a:rPr lang="en-US" dirty="0" smtClean="0"/>
+              <a:rPr lang="en-US" dirty="0" smtClean="0">
+                <a:solidFill>
+                  <a:schemeClr val="tx1"/>
+                </a:solidFill>
+              </a:rPr>
               <a:t>base</a:t>
             </a:r>
-            <a:endParaRPr lang="en-US" dirty="0"/>
+            <a:endParaRPr lang="en-US" dirty="0">
+              <a:solidFill>
+                <a:schemeClr val="tx1"/>
+              </a:solidFill>
+            </a:endParaRPr>
           </a:p>
         </p:txBody>
       </p:sp>
@@ -3126,19 +3135,20 @@
           <a:prstGeom prst="rect">
             <a:avLst/>
           </a:prstGeom>
-        </p:spPr>
-        <p:style>
-          <a:lnRef idx="1">
-            <a:schemeClr val="accent1"/>
-          </a:lnRef>
-          <a:fillRef idx="2">
-            <a:schemeClr val="accent1"/>
-          </a:fillRef>
-          <a:effectRef idx="1">
-            <a:schemeClr val="accent1"/>
-          </a:effectRef>
-          <a:fontRef idx="minor">
-            <a:schemeClr val="dk1"/>
+          <a:ln/>
+        </p:spPr>
+        <p:style>
+          <a:lnRef idx="0">
+            <a:schemeClr val="accent1"/>
+          </a:lnRef>
+          <a:fillRef idx="3">
+            <a:schemeClr val="accent1"/>
+          </a:fillRef>
+          <a:effectRef idx="3">
+            <a:schemeClr val="accent1"/>
+          </a:effectRef>
+          <a:fontRef idx="minor">
+            <a:schemeClr val="lt1"/>
           </a:fontRef>
         </p:style>
         <p:txBody>
@@ -3366,6 +3376,7 @@
           <a:prstGeom prst="roundRect">
             <a:avLst/>
           </a:prstGeom>
+          <a:ln/>
         </p:spPr>
         <p:style>
           <a:lnRef idx="1">
@@ -3443,6 +3454,7 @@
           <a:prstGeom prst="roundRect">
             <a:avLst/>
           </a:prstGeom>
+          <a:ln/>
         </p:spPr>
         <p:style>
           <a:lnRef idx="1">
@@ -3839,6 +3851,7 @@
           <a:prstGeom prst="roundRect">
             <a:avLst/>
           </a:prstGeom>
+          <a:ln/>
         </p:spPr>
         <p:style>
           <a:lnRef idx="1">
@@ -3990,6 +4003,7 @@
               <a:gd name="adj" fmla="val 66177"/>
             </a:avLst>
           </a:prstGeom>
+          <a:ln/>
         </p:spPr>
         <p:style>
           <a:lnRef idx="1">
@@ -4162,19 +4176,20 @@
           <a:prstGeom prst="rect">
             <a:avLst/>
           </a:prstGeom>
-        </p:spPr>
-        <p:style>
-          <a:lnRef idx="1">
-            <a:schemeClr val="accent1"/>
-          </a:lnRef>
-          <a:fillRef idx="2">
-            <a:schemeClr val="accent1"/>
-          </a:fillRef>
-          <a:effectRef idx="1">
-            <a:schemeClr val="accent1"/>
-          </a:effectRef>
-          <a:fontRef idx="minor">
-            <a:schemeClr val="dk1"/>
+          <a:ln/>
+        </p:spPr>
+        <p:style>
+          <a:lnRef idx="0">
+            <a:schemeClr val="accent1"/>
+          </a:lnRef>
+          <a:fillRef idx="3">
+            <a:schemeClr val="accent1"/>
+          </a:fillRef>
+          <a:effectRef idx="3">
+            <a:schemeClr val="accent1"/>
+          </a:effectRef>
+          <a:fontRef idx="minor">
+            <a:schemeClr val="lt1"/>
           </a:fontRef>
         </p:style>
         <p:txBody>
@@ -4364,6 +4379,7 @@
           <a:prstGeom prst="roundRect">
             <a:avLst/>
           </a:prstGeom>
+          <a:ln/>
         </p:spPr>
         <p:style>
           <a:lnRef idx="1">
@@ -4441,6 +4457,7 @@
           <a:prstGeom prst="roundRect">
             <a:avLst/>
           </a:prstGeom>
+          <a:ln/>
         </p:spPr>
         <p:style>
           <a:lnRef idx="1">
@@ -4837,6 +4854,7 @@
           <a:prstGeom prst="roundRect">
             <a:avLst/>
           </a:prstGeom>
+          <a:ln/>
         </p:spPr>
         <p:style>
           <a:lnRef idx="1">
@@ -5053,19 +5071,20 @@
           <a:prstGeom prst="rect">
             <a:avLst/>
           </a:prstGeom>
-        </p:spPr>
-        <p:style>
-          <a:lnRef idx="1">
-            <a:schemeClr val="accent1"/>
-          </a:lnRef>
-          <a:fillRef idx="2">
-            <a:schemeClr val="accent1"/>
-          </a:fillRef>
-          <a:effectRef idx="1">
-            <a:schemeClr val="accent1"/>
-          </a:effectRef>
-          <a:fontRef idx="minor">
-            <a:schemeClr val="dk1"/>
+          <a:ln/>
+        </p:spPr>
+        <p:style>
+          <a:lnRef idx="0">
+            <a:schemeClr val="accent1"/>
+          </a:lnRef>
+          <a:fillRef idx="3">
+            <a:schemeClr val="accent1"/>
+          </a:fillRef>
+          <a:effectRef idx="3">
+            <a:schemeClr val="accent1"/>
+          </a:effectRef>
+          <a:fontRef idx="minor">
+            <a:schemeClr val="lt1"/>
           </a:fontRef>
         </p:style>
         <p:txBody>
@@ -5255,6 +5274,7 @@
           <a:prstGeom prst="roundRect">
             <a:avLst/>
           </a:prstGeom>
+          <a:ln/>
         </p:spPr>
         <p:style>
           <a:lnRef idx="1">
@@ -5332,6 +5352,7 @@
           <a:prstGeom prst="roundRect">
             <a:avLst/>
           </a:prstGeom>
+          <a:ln/>
         </p:spPr>
         <p:style>
           <a:lnRef idx="1">
@@ -5728,6 +5749,7 @@
           <a:prstGeom prst="roundRect">
             <a:avLst/>
           </a:prstGeom>
+          <a:ln/>
         </p:spPr>
         <p:style>
           <a:lnRef idx="1">
@@ -5908,19 +5930,20 @@
           <a:prstGeom prst="rect">
             <a:avLst/>
           </a:prstGeom>
-        </p:spPr>
-        <p:style>
-          <a:lnRef idx="1">
-            <a:schemeClr val="accent1"/>
-          </a:lnRef>
-          <a:fillRef idx="2">
-            <a:schemeClr val="accent1"/>
-          </a:fillRef>
-          <a:effectRef idx="1">
-            <a:schemeClr val="accent1"/>
-          </a:effectRef>
-          <a:fontRef idx="minor">
-            <a:schemeClr val="dk1"/>
+          <a:ln/>
+        </p:spPr>
+        <p:style>
+          <a:lnRef idx="0">
+            <a:schemeClr val="accent1"/>
+          </a:lnRef>
+          <a:fillRef idx="3">
+            <a:schemeClr val="accent1"/>
+          </a:fillRef>
+          <a:effectRef idx="3">
+            <a:schemeClr val="accent1"/>
+          </a:effectRef>
+          <a:fontRef idx="minor">
+            <a:schemeClr val="lt1"/>
           </a:fontRef>
         </p:style>
         <p:txBody>
@@ -6110,6 +6133,7 @@
           <a:prstGeom prst="roundRect">
             <a:avLst/>
           </a:prstGeom>
+          <a:ln/>
         </p:spPr>
         <p:style>
           <a:lnRef idx="1">
@@ -6187,6 +6211,7 @@
           <a:prstGeom prst="roundRect">
             <a:avLst/>
           </a:prstGeom>
+          <a:ln/>
         </p:spPr>
         <p:style>
           <a:lnRef idx="1">
@@ -6583,6 +6608,7 @@
           <a:prstGeom prst="roundRect">
             <a:avLst/>
           </a:prstGeom>
+          <a:ln/>
         </p:spPr>
         <p:style>
           <a:lnRef idx="1">
@@ -6765,6 +6791,7 @@
               <a:gd name="adj" fmla="val 66177"/>
             </a:avLst>
           </a:prstGeom>
+          <a:ln/>
         </p:spPr>
         <p:style>
           <a:lnRef idx="1">
@@ -6911,6 +6938,7 @@
               <a:gd name="adj" fmla="val 66177"/>
             </a:avLst>
           </a:prstGeom>
+          <a:ln/>
         </p:spPr>
         <p:style>
           <a:lnRef idx="1">
@@ -7093,6 +7121,7 @@
               <a:gd name="adj" fmla="val 66177"/>
             </a:avLst>
           </a:prstGeom>
+          <a:ln/>
         </p:spPr>
         <p:style>
           <a:lnRef idx="1">
